--- a/Spalsh.pptx
+++ b/Spalsh.pptx
@@ -243,7 +243,7 @@
           <a:p>
             <a:fld id="{8DEE65C3-DDC1-4B24-9711-E6E01D77CB4D}" type="datetimeFigureOut">
               <a:rPr lang="en-US" smtClean="0"/>
-              <a:t>4/16/2021</a:t>
+              <a:t>4/19/2021</a:t>
             </a:fld>
             <a:endParaRPr lang="en-US"/>
           </a:p>
@@ -413,7 +413,7 @@
           <a:p>
             <a:fld id="{8DEE65C3-DDC1-4B24-9711-E6E01D77CB4D}" type="datetimeFigureOut">
               <a:rPr lang="en-US" smtClean="0"/>
-              <a:t>4/16/2021</a:t>
+              <a:t>4/19/2021</a:t>
             </a:fld>
             <a:endParaRPr lang="en-US"/>
           </a:p>
@@ -593,7 +593,7 @@
           <a:p>
             <a:fld id="{8DEE65C3-DDC1-4B24-9711-E6E01D77CB4D}" type="datetimeFigureOut">
               <a:rPr lang="en-US" smtClean="0"/>
-              <a:t>4/16/2021</a:t>
+              <a:t>4/19/2021</a:t>
             </a:fld>
             <a:endParaRPr lang="en-US"/>
           </a:p>
@@ -763,7 +763,7 @@
           <a:p>
             <a:fld id="{8DEE65C3-DDC1-4B24-9711-E6E01D77CB4D}" type="datetimeFigureOut">
               <a:rPr lang="en-US" smtClean="0"/>
-              <a:t>4/16/2021</a:t>
+              <a:t>4/19/2021</a:t>
             </a:fld>
             <a:endParaRPr lang="en-US"/>
           </a:p>
@@ -1007,7 +1007,7 @@
           <a:p>
             <a:fld id="{8DEE65C3-DDC1-4B24-9711-E6E01D77CB4D}" type="datetimeFigureOut">
               <a:rPr lang="en-US" smtClean="0"/>
-              <a:t>4/16/2021</a:t>
+              <a:t>4/19/2021</a:t>
             </a:fld>
             <a:endParaRPr lang="en-US"/>
           </a:p>
@@ -1239,7 +1239,7 @@
           <a:p>
             <a:fld id="{8DEE65C3-DDC1-4B24-9711-E6E01D77CB4D}" type="datetimeFigureOut">
               <a:rPr lang="en-US" smtClean="0"/>
-              <a:t>4/16/2021</a:t>
+              <a:t>4/19/2021</a:t>
             </a:fld>
             <a:endParaRPr lang="en-US"/>
           </a:p>
@@ -1606,7 +1606,7 @@
           <a:p>
             <a:fld id="{8DEE65C3-DDC1-4B24-9711-E6E01D77CB4D}" type="datetimeFigureOut">
               <a:rPr lang="en-US" smtClean="0"/>
-              <a:t>4/16/2021</a:t>
+              <a:t>4/19/2021</a:t>
             </a:fld>
             <a:endParaRPr lang="en-US"/>
           </a:p>
@@ -1724,7 +1724,7 @@
           <a:p>
             <a:fld id="{8DEE65C3-DDC1-4B24-9711-E6E01D77CB4D}" type="datetimeFigureOut">
               <a:rPr lang="en-US" smtClean="0"/>
-              <a:t>4/16/2021</a:t>
+              <a:t>4/19/2021</a:t>
             </a:fld>
             <a:endParaRPr lang="en-US"/>
           </a:p>
@@ -1819,7 +1819,7 @@
           <a:p>
             <a:fld id="{8DEE65C3-DDC1-4B24-9711-E6E01D77CB4D}" type="datetimeFigureOut">
               <a:rPr lang="en-US" smtClean="0"/>
-              <a:t>4/16/2021</a:t>
+              <a:t>4/19/2021</a:t>
             </a:fld>
             <a:endParaRPr lang="en-US"/>
           </a:p>
@@ -2096,7 +2096,7 @@
           <a:p>
             <a:fld id="{8DEE65C3-DDC1-4B24-9711-E6E01D77CB4D}" type="datetimeFigureOut">
               <a:rPr lang="en-US" smtClean="0"/>
-              <a:t>4/16/2021</a:t>
+              <a:t>4/19/2021</a:t>
             </a:fld>
             <a:endParaRPr lang="en-US"/>
           </a:p>
@@ -2353,7 +2353,7 @@
           <a:p>
             <a:fld id="{8DEE65C3-DDC1-4B24-9711-E6E01D77CB4D}" type="datetimeFigureOut">
               <a:rPr lang="en-US" smtClean="0"/>
-              <a:t>4/16/2021</a:t>
+              <a:t>4/19/2021</a:t>
             </a:fld>
             <a:endParaRPr lang="en-US"/>
           </a:p>
@@ -2566,7 +2566,7 @@
           <a:p>
             <a:fld id="{8DEE65C3-DDC1-4B24-9711-E6E01D77CB4D}" type="datetimeFigureOut">
               <a:rPr lang="en-US" smtClean="0"/>
-              <a:t>4/16/2021</a:t>
+              <a:t>4/19/2021</a:t>
             </a:fld>
             <a:endParaRPr lang="en-US"/>
           </a:p>
@@ -2989,7 +2989,7 @@
         </p:nvSpPr>
         <p:spPr>
           <a:xfrm>
-            <a:off x="6200437" y="8280833"/>
+            <a:off x="6287302" y="11251815"/>
             <a:ext cx="1303562" cy="1107996"/>
           </a:xfrm>
           <a:prstGeom prst="rect">
@@ -3057,8 +3057,8 @@
         </p:blipFill>
         <p:spPr>
           <a:xfrm>
-            <a:off x="4450149" y="383214"/>
-            <a:ext cx="4804137" cy="4804137"/>
+            <a:off x="3271125" y="49875"/>
+            <a:ext cx="7335916" cy="7335916"/>
           </a:xfrm>
           <a:prstGeom prst="ellipse">
             <a:avLst/>
@@ -3091,41 +3091,31 @@
       </p:pic>
       <p:sp>
         <p:nvSpPr>
-          <p:cNvPr id="4" name="Rectangle 3"/>
+          <p:cNvPr id="6" name="Rectangle 5"/>
           <p:cNvSpPr/>
           <p:nvPr/>
         </p:nvSpPr>
         <p:spPr>
           <a:xfrm>
-            <a:off x="890119" y="10048387"/>
-            <a:ext cx="12496241" cy="923330"/>
+            <a:off x="5706598" y="13321231"/>
+            <a:ext cx="2863284" cy="923330"/>
           </a:xfrm>
           <a:prstGeom prst="rect">
             <a:avLst/>
           </a:prstGeom>
-          <a:noFill/>
-          <a:ln w="9525" cap="flat" cmpd="sng" algn="ctr">
-            <a:solidFill>
-              <a:schemeClr val="accent5"/>
-            </a:solidFill>
-            <a:prstDash val="solid"/>
-            <a:round/>
-            <a:headEnd type="none" w="med" len="med"/>
-            <a:tailEnd type="none" w="med" len="med"/>
-          </a:ln>
         </p:spPr>
         <p:style>
-          <a:lnRef idx="0">
-            <a:scrgbClr r="0" g="0" b="0"/>
+          <a:lnRef idx="2">
+            <a:schemeClr val="accent3"/>
           </a:lnRef>
-          <a:fillRef idx="0">
-            <a:scrgbClr r="0" g="0" b="0"/>
+          <a:fillRef idx="1">
+            <a:schemeClr val="lt1"/>
           </a:fillRef>
           <a:effectRef idx="0">
-            <a:scrgbClr r="0" g="0" b="0"/>
+            <a:schemeClr val="accent3"/>
           </a:effectRef>
           <a:fontRef idx="minor">
-            <a:schemeClr val="accent5"/>
+            <a:schemeClr val="dk1"/>
           </a:fontRef>
         </p:style>
         <p:txBody>
@@ -3135,6 +3125,22 @@
           <a:lstStyle/>
           <a:p>
             <a:pPr algn="ctr"/>
+            <a:r>
+              <a:rPr lang="en-US" sz="5400" dirty="0" smtClean="0">
+                <a:ln w="0"/>
+                <a:solidFill>
+                  <a:srgbClr val="7030A0"/>
+                </a:solidFill>
+                <a:effectLst>
+                  <a:outerShdw blurRad="38100" dist="19050" dir="2700000" algn="tl" rotWithShape="0">
+                    <a:schemeClr val="dk1">
+                      <a:alpha val="40000"/>
+                    </a:schemeClr>
+                  </a:outerShdw>
+                </a:effectLst>
+              </a:rPr>
+              <a:t>Loading</a:t>
+            </a:r>
             <a:r>
               <a:rPr lang="en-US" sz="5400" b="0" cap="none" spc="0" dirty="0" smtClean="0">
                 <a:ln w="0"/>
@@ -3148,94 +3154,8 @@
                     </a:schemeClr>
                   </a:outerShdw>
                 </a:effectLst>
-                <a:latin typeface="QuillScript" panose="03050502030202060B05" pitchFamily="66" charset="0"/>
               </a:rPr>
-              <a:t>The open </a:t>
-            </a:r>
-            <a:r>
-              <a:rPr lang="en-US" sz="5400" b="0" cap="none" spc="0" dirty="0" err="1" smtClean="0">
-                <a:ln w="0"/>
-                <a:solidFill>
-                  <a:srgbClr val="7030A0"/>
-                </a:solidFill>
-                <a:effectLst>
-                  <a:outerShdw blurRad="38100" dist="19050" dir="2700000" algn="tl" rotWithShape="0">
-                    <a:schemeClr val="dk1">
-                      <a:alpha val="40000"/>
-                    </a:schemeClr>
-                  </a:outerShdw>
-                </a:effectLst>
-                <a:latin typeface="QuillScript" panose="03050502030202060B05" pitchFamily="66" charset="0"/>
-              </a:rPr>
-              <a:t>surce</a:t>
-            </a:r>
-            <a:r>
-              <a:rPr lang="en-US" sz="5400" b="0" cap="none" spc="0" dirty="0" smtClean="0">
-                <a:ln w="0"/>
-                <a:solidFill>
-                  <a:srgbClr val="7030A0"/>
-                </a:solidFill>
-                <a:effectLst>
-                  <a:outerShdw blurRad="38100" dist="19050" dir="2700000" algn="tl" rotWithShape="0">
-                    <a:schemeClr val="dk1">
-                      <a:alpha val="40000"/>
-                    </a:schemeClr>
-                  </a:outerShdw>
-                </a:effectLst>
-                <a:latin typeface="QuillScript" panose="03050502030202060B05" pitchFamily="66" charset="0"/>
-              </a:rPr>
-              <a:t> </a:t>
-            </a:r>
-            <a:r>
-              <a:rPr lang="en-US" sz="5400" b="0" cap="none" spc="0" dirty="0" err="1" smtClean="0">
-                <a:ln w="0"/>
-                <a:solidFill>
-                  <a:srgbClr val="7030A0"/>
-                </a:solidFill>
-                <a:effectLst>
-                  <a:outerShdw blurRad="38100" dist="19050" dir="2700000" algn="tl" rotWithShape="0">
-                    <a:schemeClr val="dk1">
-                      <a:alpha val="40000"/>
-                    </a:schemeClr>
-                  </a:outerShdw>
-                </a:effectLst>
-                <a:latin typeface="QuillScript" panose="03050502030202060B05" pitchFamily="66" charset="0"/>
-              </a:rPr>
-              <a:t>xamarin</a:t>
-            </a:r>
-            <a:r>
-              <a:rPr lang="en-US" sz="5400" b="0" cap="none" spc="0" dirty="0" smtClean="0">
-                <a:ln w="0"/>
-                <a:solidFill>
-                  <a:srgbClr val="7030A0"/>
-                </a:solidFill>
-                <a:effectLst>
-                  <a:outerShdw blurRad="38100" dist="19050" dir="2700000" algn="tl" rotWithShape="0">
-                    <a:schemeClr val="dk1">
-                      <a:alpha val="40000"/>
-                    </a:schemeClr>
-                  </a:outerShdw>
-                </a:effectLst>
-                <a:latin typeface="QuillScript" panose="03050502030202060B05" pitchFamily="66" charset="0"/>
-              </a:rPr>
-              <a:t> Android </a:t>
-            </a:r>
-            <a:r>
-              <a:rPr lang="en-US" sz="5400" b="0" cap="none" spc="0" dirty="0" err="1" smtClean="0">
-                <a:ln w="0"/>
-                <a:solidFill>
-                  <a:srgbClr val="7030A0"/>
-                </a:solidFill>
-                <a:effectLst>
-                  <a:outerShdw blurRad="38100" dist="19050" dir="2700000" algn="tl" rotWithShape="0">
-                    <a:schemeClr val="dk1">
-                      <a:alpha val="40000"/>
-                    </a:schemeClr>
-                  </a:outerShdw>
-                </a:effectLst>
-                <a:latin typeface="QuillScript" panose="03050502030202060B05" pitchFamily="66" charset="0"/>
-              </a:rPr>
-              <a:t>Applcation</a:t>
+              <a:t>…</a:t>
             </a:r>
             <a:endParaRPr lang="en-US" sz="5400" b="0" cap="none" spc="0" dirty="0">
               <a:ln w="0"/>
@@ -3249,75 +3169,6 @@
                   </a:schemeClr>
                 </a:outerShdw>
               </a:effectLst>
-              <a:latin typeface="QuillScript" panose="03050502030202060B05" pitchFamily="66" charset="0"/>
-            </a:endParaRPr>
-          </a:p>
-        </p:txBody>
-      </p:sp>
-      <p:sp>
-        <p:nvSpPr>
-          <p:cNvPr id="6" name="Rectangle 5"/>
-          <p:cNvSpPr/>
-          <p:nvPr/>
-        </p:nvSpPr>
-        <p:spPr>
-          <a:xfrm>
-            <a:off x="5706598" y="13321231"/>
-            <a:ext cx="2863284" cy="923330"/>
-          </a:xfrm>
-          <a:prstGeom prst="rect">
-            <a:avLst/>
-          </a:prstGeom>
-          <a:noFill/>
-        </p:spPr>
-        <p:txBody>
-          <a:bodyPr wrap="none" lIns="91440" tIns="45720" rIns="91440" bIns="45720">
-            <a:spAutoFit/>
-          </a:bodyPr>
-          <a:lstStyle/>
-          <a:p>
-            <a:pPr algn="ctr"/>
-            <a:r>
-              <a:rPr lang="en-US" sz="5400" dirty="0" smtClean="0">
-                <a:ln w="0"/>
-                <a:effectLst>
-                  <a:outerShdw blurRad="38100" dist="19050" dir="2700000" algn="tl" rotWithShape="0">
-                    <a:schemeClr val="dk1">
-                      <a:alpha val="40000"/>
-                    </a:schemeClr>
-                  </a:outerShdw>
-                </a:effectLst>
-              </a:rPr>
-              <a:t>Loading</a:t>
-            </a:r>
-            <a:r>
-              <a:rPr lang="en-US" sz="5400" b="0" cap="none" spc="0" dirty="0" smtClean="0">
-                <a:ln w="0"/>
-                <a:solidFill>
-                  <a:schemeClr val="tx1"/>
-                </a:solidFill>
-                <a:effectLst>
-                  <a:outerShdw blurRad="38100" dist="19050" dir="2700000" algn="tl" rotWithShape="0">
-                    <a:schemeClr val="dk1">
-                      <a:alpha val="40000"/>
-                    </a:schemeClr>
-                  </a:outerShdw>
-                </a:effectLst>
-              </a:rPr>
-              <a:t>…</a:t>
-            </a:r>
-            <a:endParaRPr lang="en-US" sz="5400" b="0" cap="none" spc="0" dirty="0">
-              <a:ln w="0"/>
-              <a:solidFill>
-                <a:schemeClr val="tx1"/>
-              </a:solidFill>
-              <a:effectLst>
-                <a:outerShdw blurRad="38100" dist="19050" dir="2700000" algn="tl" rotWithShape="0">
-                  <a:schemeClr val="dk1">
-                    <a:alpha val="40000"/>
-                  </a:schemeClr>
-                </a:outerShdw>
-              </a:effectLst>
             </a:endParaRPr>
           </a:p>
         </p:txBody>
@@ -3330,7 +3181,7 @@
         </p:nvSpPr>
         <p:spPr>
           <a:xfrm>
-            <a:off x="1702746" y="5846909"/>
+            <a:off x="1702746" y="8760599"/>
             <a:ext cx="10870988" cy="2646878"/>
           </a:xfrm>
           <a:prstGeom prst="rect">
@@ -3359,54 +3210,6 @@
               <a:t>YaraNotifier</a:t>
             </a:r>
             <a:endParaRPr lang="en-US" sz="13800" dirty="0"/>
-          </a:p>
-        </p:txBody>
-      </p:sp>
-      <p:sp>
-        <p:nvSpPr>
-          <p:cNvPr id="8" name="Rounded Rectangle 7"/>
-          <p:cNvSpPr/>
-          <p:nvPr/>
-        </p:nvSpPr>
-        <p:spPr>
-          <a:xfrm>
-            <a:off x="577419" y="147730"/>
-            <a:ext cx="13121640" cy="12356690"/>
-          </a:xfrm>
-          <a:prstGeom prst="roundRect">
-            <a:avLst/>
-          </a:prstGeom>
-          <a:noFill/>
-          <a:ln w="9525" cap="flat" cmpd="sng" algn="ctr">
-            <a:solidFill>
-              <a:schemeClr val="dk1"/>
-            </a:solidFill>
-            <a:prstDash val="solid"/>
-            <a:round/>
-            <a:headEnd type="none" w="med" len="med"/>
-            <a:tailEnd type="none" w="med" len="med"/>
-          </a:ln>
-        </p:spPr>
-        <p:style>
-          <a:lnRef idx="0">
-            <a:scrgbClr r="0" g="0" b="0"/>
-          </a:lnRef>
-          <a:fillRef idx="0">
-            <a:scrgbClr r="0" g="0" b="0"/>
-          </a:fillRef>
-          <a:effectRef idx="0">
-            <a:scrgbClr r="0" g="0" b="0"/>
-          </a:effectRef>
-          <a:fontRef idx="minor">
-            <a:schemeClr val="dk1"/>
-          </a:fontRef>
-        </p:style>
-        <p:txBody>
-          <a:bodyPr rtlCol="0" anchor="ctr"/>
-          <a:lstStyle/>
-          <a:p>
-            <a:pPr algn="ctr"/>
-            <a:endParaRPr lang="en-US"/>
           </a:p>
         </p:txBody>
       </p:sp>

--- a/Spalsh.pptx
+++ b/Spalsh.pptx
@@ -243,7 +243,7 @@
           <a:p>
             <a:fld id="{8DEE65C3-DDC1-4B24-9711-E6E01D77CB4D}" type="datetimeFigureOut">
               <a:rPr lang="en-US" smtClean="0"/>
-              <a:t>4/19/2021</a:t>
+              <a:t>4/25/2021</a:t>
             </a:fld>
             <a:endParaRPr lang="en-US"/>
           </a:p>
@@ -413,7 +413,7 @@
           <a:p>
             <a:fld id="{8DEE65C3-DDC1-4B24-9711-E6E01D77CB4D}" type="datetimeFigureOut">
               <a:rPr lang="en-US" smtClean="0"/>
-              <a:t>4/19/2021</a:t>
+              <a:t>4/25/2021</a:t>
             </a:fld>
             <a:endParaRPr lang="en-US"/>
           </a:p>
@@ -593,7 +593,7 @@
           <a:p>
             <a:fld id="{8DEE65C3-DDC1-4B24-9711-E6E01D77CB4D}" type="datetimeFigureOut">
               <a:rPr lang="en-US" smtClean="0"/>
-              <a:t>4/19/2021</a:t>
+              <a:t>4/25/2021</a:t>
             </a:fld>
             <a:endParaRPr lang="en-US"/>
           </a:p>
@@ -763,7 +763,7 @@
           <a:p>
             <a:fld id="{8DEE65C3-DDC1-4B24-9711-E6E01D77CB4D}" type="datetimeFigureOut">
               <a:rPr lang="en-US" smtClean="0"/>
-              <a:t>4/19/2021</a:t>
+              <a:t>4/25/2021</a:t>
             </a:fld>
             <a:endParaRPr lang="en-US"/>
           </a:p>
@@ -1007,7 +1007,7 @@
           <a:p>
             <a:fld id="{8DEE65C3-DDC1-4B24-9711-E6E01D77CB4D}" type="datetimeFigureOut">
               <a:rPr lang="en-US" smtClean="0"/>
-              <a:t>4/19/2021</a:t>
+              <a:t>4/25/2021</a:t>
             </a:fld>
             <a:endParaRPr lang="en-US"/>
           </a:p>
@@ -1239,7 +1239,7 @@
           <a:p>
             <a:fld id="{8DEE65C3-DDC1-4B24-9711-E6E01D77CB4D}" type="datetimeFigureOut">
               <a:rPr lang="en-US" smtClean="0"/>
-              <a:t>4/19/2021</a:t>
+              <a:t>4/25/2021</a:t>
             </a:fld>
             <a:endParaRPr lang="en-US"/>
           </a:p>
@@ -1606,7 +1606,7 @@
           <a:p>
             <a:fld id="{8DEE65C3-DDC1-4B24-9711-E6E01D77CB4D}" type="datetimeFigureOut">
               <a:rPr lang="en-US" smtClean="0"/>
-              <a:t>4/19/2021</a:t>
+              <a:t>4/25/2021</a:t>
             </a:fld>
             <a:endParaRPr lang="en-US"/>
           </a:p>
@@ -1724,7 +1724,7 @@
           <a:p>
             <a:fld id="{8DEE65C3-DDC1-4B24-9711-E6E01D77CB4D}" type="datetimeFigureOut">
               <a:rPr lang="en-US" smtClean="0"/>
-              <a:t>4/19/2021</a:t>
+              <a:t>4/25/2021</a:t>
             </a:fld>
             <a:endParaRPr lang="en-US"/>
           </a:p>
@@ -1819,7 +1819,7 @@
           <a:p>
             <a:fld id="{8DEE65C3-DDC1-4B24-9711-E6E01D77CB4D}" type="datetimeFigureOut">
               <a:rPr lang="en-US" smtClean="0"/>
-              <a:t>4/19/2021</a:t>
+              <a:t>4/25/2021</a:t>
             </a:fld>
             <a:endParaRPr lang="en-US"/>
           </a:p>
@@ -2096,7 +2096,7 @@
           <a:p>
             <a:fld id="{8DEE65C3-DDC1-4B24-9711-E6E01D77CB4D}" type="datetimeFigureOut">
               <a:rPr lang="en-US" smtClean="0"/>
-              <a:t>4/19/2021</a:t>
+              <a:t>4/25/2021</a:t>
             </a:fld>
             <a:endParaRPr lang="en-US"/>
           </a:p>
@@ -2353,7 +2353,7 @@
           <a:p>
             <a:fld id="{8DEE65C3-DDC1-4B24-9711-E6E01D77CB4D}" type="datetimeFigureOut">
               <a:rPr lang="en-US" smtClean="0"/>
-              <a:t>4/19/2021</a:t>
+              <a:t>4/25/2021</a:t>
             </a:fld>
             <a:endParaRPr lang="en-US"/>
           </a:p>
@@ -2566,7 +2566,7 @@
           <a:p>
             <a:fld id="{8DEE65C3-DDC1-4B24-9711-E6E01D77CB4D}" type="datetimeFigureOut">
               <a:rPr lang="en-US" smtClean="0"/>
-              <a:t>4/19/2021</a:t>
+              <a:t>4/25/2021</a:t>
             </a:fld>
             <a:endParaRPr lang="en-US"/>
           </a:p>
@@ -2960,9 +2960,7 @@
     <p:bg>
       <p:bgPr>
         <a:solidFill>
-          <a:schemeClr val="bg1">
-            <a:alpha val="99000"/>
-          </a:schemeClr>
+          <a:schemeClr val="tx1"/>
         </a:solidFill>
         <a:effectLst/>
       </p:bgPr>
@@ -2989,7 +2987,7 @@
         </p:nvSpPr>
         <p:spPr>
           <a:xfrm>
-            <a:off x="6287302" y="11251815"/>
+            <a:off x="6447322" y="10492092"/>
             <a:ext cx="1303562" cy="1107996"/>
           </a:xfrm>
           <a:prstGeom prst="rect">
@@ -3007,6 +3005,12 @@
             <a:r>
               <a:rPr lang="en-GB" sz="6600" b="1" dirty="0" smtClean="0">
                 <a:ln w="0"/>
+                <a:solidFill>
+                  <a:schemeClr val="accent1">
+                    <a:lumMod val="60000"/>
+                    <a:lumOff val="40000"/>
+                  </a:schemeClr>
+                </a:solidFill>
                 <a:effectLst>
                   <a:outerShdw blurRad="38100" dist="19050" dir="2700000" algn="tl" rotWithShape="0">
                     <a:schemeClr val="dk1">
@@ -3021,7 +3025,10 @@
             <a:endParaRPr lang="en-US" sz="6600" b="1" cap="none" spc="0" dirty="0">
               <a:ln w="0"/>
               <a:solidFill>
-                <a:schemeClr val="tx1"/>
+                <a:schemeClr val="accent1">
+                  <a:lumMod val="60000"/>
+                  <a:lumOff val="40000"/>
+                </a:schemeClr>
               </a:solidFill>
               <a:effectLst>
                 <a:outerShdw blurRad="38100" dist="19050" dir="2700000" algn="tl" rotWithShape="0">
@@ -3046,6 +3053,15 @@
         <p:blipFill>
           <a:blip r:embed="rId2">
             <a:extLst>
+              <a:ext uri="{BEBA8EAE-BF5A-486C-A8C5-ECC9F3942E4B}">
+                <a14:imgProps xmlns:a14="http://schemas.microsoft.com/office/drawing/2010/main">
+                  <a14:imgLayer r:embed="rId3">
+                    <a14:imgEffect>
+                      <a14:artisticCrisscrossEtching/>
+                    </a14:imgEffect>
+                  </a14:imgLayer>
+                </a14:imgProps>
+              </a:ext>
               <a:ext uri="{28A0092B-C50C-407E-A947-70E740481C1C}">
                 <a14:useLocalDpi xmlns:a14="http://schemas.microsoft.com/office/drawing/2010/main" val="0"/>
               </a:ext>
@@ -3057,35 +3073,34 @@
         </p:blipFill>
         <p:spPr>
           <a:xfrm>
-            <a:off x="3271125" y="49875"/>
-            <a:ext cx="7335916" cy="7335916"/>
+            <a:off x="3173102" y="70601"/>
+            <a:ext cx="7930275" cy="7930275"/>
           </a:xfrm>
           <a:prstGeom prst="ellipse">
             <a:avLst/>
           </a:prstGeom>
-          <a:ln w="63500" cap="rnd">
+          <a:ln w="190500" cap="rnd">
             <a:solidFill>
-              <a:srgbClr val="333333"/>
+              <a:srgbClr val="C8C6BD"/>
             </a:solidFill>
+            <a:prstDash val="solid"/>
           </a:ln>
           <a:effectLst>
-            <a:outerShdw blurRad="381000" dist="292100" dir="5400000" sx="-80000" sy="-18000" rotWithShape="0">
-              <a:srgbClr val="000000">
-                <a:alpha val="22000"/>
-              </a:srgbClr>
+            <a:outerShdw blurRad="127000" algn="bl" rotWithShape="0">
+              <a:srgbClr val="000000"/>
             </a:outerShdw>
           </a:effectLst>
           <a:scene3d>
-            <a:camera prst="orthographicFront"/>
-            <a:lightRig rig="contrasting" dir="t">
-              <a:rot lat="0" lon="0" rev="3000000"/>
+            <a:camera prst="perspectiveFront" fov="5400000"/>
+            <a:lightRig rig="threePt" dir="t">
+              <a:rot lat="0" lon="0" rev="19200000"/>
             </a:lightRig>
           </a:scene3d>
-          <a:sp3d contourW="7620">
-            <a:bevelT w="95250" h="31750"/>
-            <a:contourClr>
-              <a:srgbClr val="333333"/>
-            </a:contourClr>
+          <a:sp3d extrusionH="25400">
+            <a:bevelT w="304800" h="152400" prst="hardEdge"/>
+            <a:extrusionClr>
+              <a:srgbClr val="000000"/>
+            </a:extrusionClr>
           </a:sp3d>
         </p:spPr>
       </p:pic>
@@ -3097,25 +3112,29 @@
         </p:nvSpPr>
         <p:spPr>
           <a:xfrm>
-            <a:off x="5706598" y="13321231"/>
-            <a:ext cx="2863284" cy="923330"/>
+            <a:off x="6161993" y="13476883"/>
+            <a:ext cx="2501134" cy="923330"/>
           </a:xfrm>
           <a:prstGeom prst="rect">
             <a:avLst/>
           </a:prstGeom>
+          <a:noFill/>
+          <a:ln>
+            <a:noFill/>
+          </a:ln>
         </p:spPr>
         <p:style>
-          <a:lnRef idx="2">
-            <a:schemeClr val="accent3"/>
+          <a:lnRef idx="0">
+            <a:scrgbClr r="0" g="0" b="0"/>
           </a:lnRef>
-          <a:fillRef idx="1">
-            <a:schemeClr val="lt1"/>
+          <a:fillRef idx="0">
+            <a:scrgbClr r="0" g="0" b="0"/>
           </a:fillRef>
           <a:effectRef idx="0">
-            <a:schemeClr val="accent3"/>
+            <a:scrgbClr r="0" g="0" b="0"/>
           </a:effectRef>
           <a:fontRef idx="minor">
-            <a:schemeClr val="dk1"/>
+            <a:schemeClr val="accent1"/>
           </a:fontRef>
         </p:style>
         <p:txBody>
@@ -3129,7 +3148,7 @@
               <a:rPr lang="en-US" sz="5400" dirty="0" smtClean="0">
                 <a:ln w="0"/>
                 <a:solidFill>
-                  <a:srgbClr val="7030A0"/>
+                  <a:srgbClr val="FFFF00"/>
                 </a:solidFill>
                 <a:effectLst>
                   <a:outerShdw blurRad="38100" dist="19050" dir="2700000" algn="tl" rotWithShape="0">
@@ -3138,6 +3157,7 @@
                     </a:schemeClr>
                   </a:outerShdw>
                 </a:effectLst>
+                <a:latin typeface="Bewilder Thick BRK" pitchFamily="2" charset="0"/>
               </a:rPr>
               <a:t>Loading</a:t>
             </a:r>
@@ -3145,7 +3165,7 @@
               <a:rPr lang="en-US" sz="5400" b="0" cap="none" spc="0" dirty="0" smtClean="0">
                 <a:ln w="0"/>
                 <a:solidFill>
-                  <a:srgbClr val="7030A0"/>
+                  <a:srgbClr val="FFFF00"/>
                 </a:solidFill>
                 <a:effectLst>
                   <a:outerShdw blurRad="38100" dist="19050" dir="2700000" algn="tl" rotWithShape="0">
@@ -3154,13 +3174,14 @@
                     </a:schemeClr>
                   </a:outerShdw>
                 </a:effectLst>
+                <a:latin typeface="Bewilder Thick BRK" pitchFamily="2" charset="0"/>
               </a:rPr>
               <a:t>…</a:t>
             </a:r>
             <a:endParaRPr lang="en-US" sz="5400" b="0" cap="none" spc="0" dirty="0">
               <a:ln w="0"/>
               <a:solidFill>
-                <a:srgbClr val="7030A0"/>
+                <a:srgbClr val="FFFF00"/>
               </a:solidFill>
               <a:effectLst>
                 <a:outerShdw blurRad="38100" dist="19050" dir="2700000" algn="tl" rotWithShape="0">
@@ -3169,6 +3190,7 @@
                   </a:schemeClr>
                 </a:outerShdw>
               </a:effectLst>
+              <a:latin typeface="Bewilder Thick BRK" pitchFamily="2" charset="0"/>
             </a:endParaRPr>
           </a:p>
         </p:txBody>
@@ -3181,7 +3203,7 @@
         </p:nvSpPr>
         <p:spPr>
           <a:xfrm>
-            <a:off x="1702746" y="8760599"/>
+            <a:off x="1862766" y="8000876"/>
             <a:ext cx="10870988" cy="2646878"/>
           </a:xfrm>
           <a:prstGeom prst="rect">
@@ -3198,6 +3220,12 @@
             <a:r>
               <a:rPr lang="en-GB" sz="16600" b="1" dirty="0" err="1" smtClean="0">
                 <a:ln w="0"/>
+                <a:solidFill>
+                  <a:schemeClr val="accent1">
+                    <a:lumMod val="60000"/>
+                    <a:lumOff val="40000"/>
+                  </a:schemeClr>
+                </a:solidFill>
                 <a:effectLst>
                   <a:outerShdw blurRad="38100" dist="19050" dir="2700000" algn="tl" rotWithShape="0">
                     <a:schemeClr val="dk1">
@@ -3209,7 +3237,14 @@
               </a:rPr>
               <a:t>YaraNotifier</a:t>
             </a:r>
-            <a:endParaRPr lang="en-US" sz="13800" dirty="0"/>
+            <a:endParaRPr lang="en-US" sz="13800" dirty="0">
+              <a:solidFill>
+                <a:schemeClr val="accent1">
+                  <a:lumMod val="60000"/>
+                  <a:lumOff val="40000"/>
+                </a:schemeClr>
+              </a:solidFill>
+            </a:endParaRPr>
           </a:p>
         </p:txBody>
       </p:sp>

--- a/Spalsh.pptx
+++ b/Spalsh.pptx
@@ -4,8 +4,12 @@
   <p:sldMasterIdLst>
     <p:sldMasterId id="2147483660" r:id="rId1"/>
   </p:sldMasterIdLst>
+  <p:notesMasterIdLst>
+    <p:notesMasterId r:id="rId4"/>
+  </p:notesMasterIdLst>
   <p:sldIdLst>
     <p:sldId id="256" r:id="rId2"/>
+    <p:sldId id="257" r:id="rId3"/>
   </p:sldIdLst>
   <p:sldSz cx="14400213" cy="14400213"/>
   <p:notesSz cx="6858000" cy="9144000"/>
@@ -112,6 +116,356 @@
 </p:presentation>
 </file>
 
+<file path=ppt/notesMasters/notesMaster1.xml><?xml version="1.0" encoding="utf-8"?>
+<p:notesMaster xmlns:a="http://schemas.openxmlformats.org/drawingml/2006/main" xmlns:r="http://schemas.openxmlformats.org/officeDocument/2006/relationships" xmlns:p="http://schemas.openxmlformats.org/presentationml/2006/main">
+  <p:cSld>
+    <p:bg>
+      <p:bgRef idx="1001">
+        <a:schemeClr val="bg1"/>
+      </p:bgRef>
+    </p:bg>
+    <p:spTree>
+      <p:nvGrpSpPr>
+        <p:cNvPr id="1" name=""/>
+        <p:cNvGrpSpPr/>
+        <p:nvPr/>
+      </p:nvGrpSpPr>
+      <p:grpSpPr>
+        <a:xfrm>
+          <a:off x="0" y="0"/>
+          <a:ext cx="0" cy="0"/>
+          <a:chOff x="0" y="0"/>
+          <a:chExt cx="0" cy="0"/>
+        </a:xfrm>
+      </p:grpSpPr>
+      <p:sp>
+        <p:nvSpPr>
+          <p:cNvPr id="2" name="Header Placeholder 1"/>
+          <p:cNvSpPr>
+            <a:spLocks noGrp="1"/>
+          </p:cNvSpPr>
+          <p:nvPr>
+            <p:ph type="hdr" sz="quarter"/>
+          </p:nvPr>
+        </p:nvSpPr>
+        <p:spPr>
+          <a:xfrm>
+            <a:off x="0" y="0"/>
+            <a:ext cx="2971800" cy="458788"/>
+          </a:xfrm>
+          <a:prstGeom prst="rect">
+            <a:avLst/>
+          </a:prstGeom>
+        </p:spPr>
+        <p:txBody>
+          <a:bodyPr vert="horz" lIns="91440" tIns="45720" rIns="91440" bIns="45720" rtlCol="0"/>
+          <a:lstStyle>
+            <a:lvl1pPr algn="l">
+              <a:defRPr sz="1200"/>
+            </a:lvl1pPr>
+          </a:lstStyle>
+          <a:p>
+            <a:endParaRPr lang="en-US"/>
+          </a:p>
+        </p:txBody>
+      </p:sp>
+      <p:sp>
+        <p:nvSpPr>
+          <p:cNvPr id="3" name="Date Placeholder 2"/>
+          <p:cNvSpPr>
+            <a:spLocks noGrp="1"/>
+          </p:cNvSpPr>
+          <p:nvPr>
+            <p:ph type="dt" idx="1"/>
+          </p:nvPr>
+        </p:nvSpPr>
+        <p:spPr>
+          <a:xfrm>
+            <a:off x="3884613" y="0"/>
+            <a:ext cx="2971800" cy="458788"/>
+          </a:xfrm>
+          <a:prstGeom prst="rect">
+            <a:avLst/>
+          </a:prstGeom>
+        </p:spPr>
+        <p:txBody>
+          <a:bodyPr vert="horz" lIns="91440" tIns="45720" rIns="91440" bIns="45720" rtlCol="0"/>
+          <a:lstStyle>
+            <a:lvl1pPr algn="r">
+              <a:defRPr sz="1200"/>
+            </a:lvl1pPr>
+          </a:lstStyle>
+          <a:p>
+            <a:fld id="{BC5FA0E3-5C4A-4AD1-9078-B3F60D0463EC}" type="datetimeFigureOut">
+              <a:rPr lang="en-US" smtClean="0"/>
+              <a:t>7/11/2021</a:t>
+            </a:fld>
+            <a:endParaRPr lang="en-US"/>
+          </a:p>
+        </p:txBody>
+      </p:sp>
+      <p:sp>
+        <p:nvSpPr>
+          <p:cNvPr id="4" name="Slide Image Placeholder 3"/>
+          <p:cNvSpPr>
+            <a:spLocks noGrp="1" noRot="1" noChangeAspect="1"/>
+          </p:cNvSpPr>
+          <p:nvPr>
+            <p:ph type="sldImg" idx="2"/>
+          </p:nvPr>
+        </p:nvSpPr>
+        <p:spPr>
+          <a:xfrm>
+            <a:off x="1885950" y="1143000"/>
+            <a:ext cx="3086100" cy="3086100"/>
+          </a:xfrm>
+          <a:prstGeom prst="rect">
+            <a:avLst/>
+          </a:prstGeom>
+          <a:noFill/>
+          <a:ln w="12700">
+            <a:solidFill>
+              <a:prstClr val="black"/>
+            </a:solidFill>
+          </a:ln>
+        </p:spPr>
+        <p:txBody>
+          <a:bodyPr vert="horz" lIns="91440" tIns="45720" rIns="91440" bIns="45720" rtlCol="0" anchor="ctr"/>
+          <a:lstStyle/>
+          <a:p>
+            <a:endParaRPr lang="en-US"/>
+          </a:p>
+        </p:txBody>
+      </p:sp>
+      <p:sp>
+        <p:nvSpPr>
+          <p:cNvPr id="5" name="Notes Placeholder 4"/>
+          <p:cNvSpPr>
+            <a:spLocks noGrp="1"/>
+          </p:cNvSpPr>
+          <p:nvPr>
+            <p:ph type="body" sz="quarter" idx="3"/>
+          </p:nvPr>
+        </p:nvSpPr>
+        <p:spPr>
+          <a:xfrm>
+            <a:off x="685800" y="4400550"/>
+            <a:ext cx="5486400" cy="3600450"/>
+          </a:xfrm>
+          <a:prstGeom prst="rect">
+            <a:avLst/>
+          </a:prstGeom>
+        </p:spPr>
+        <p:txBody>
+          <a:bodyPr vert="horz" lIns="91440" tIns="45720" rIns="91440" bIns="45720" rtlCol="0"/>
+          <a:lstStyle/>
+          <a:p>
+            <a:pPr lvl="0"/>
+            <a:r>
+              <a:rPr lang="en-US" smtClean="0"/>
+              <a:t>Edit Master text styles</a:t>
+            </a:r>
+          </a:p>
+          <a:p>
+            <a:pPr lvl="1"/>
+            <a:r>
+              <a:rPr lang="en-US" smtClean="0"/>
+              <a:t>Second level</a:t>
+            </a:r>
+          </a:p>
+          <a:p>
+            <a:pPr lvl="2"/>
+            <a:r>
+              <a:rPr lang="en-US" smtClean="0"/>
+              <a:t>Third level</a:t>
+            </a:r>
+          </a:p>
+          <a:p>
+            <a:pPr lvl="3"/>
+            <a:r>
+              <a:rPr lang="en-US" smtClean="0"/>
+              <a:t>Fourth level</a:t>
+            </a:r>
+          </a:p>
+          <a:p>
+            <a:pPr lvl="4"/>
+            <a:r>
+              <a:rPr lang="en-US" smtClean="0"/>
+              <a:t>Fifth level</a:t>
+            </a:r>
+            <a:endParaRPr lang="en-US"/>
+          </a:p>
+        </p:txBody>
+      </p:sp>
+      <p:sp>
+        <p:nvSpPr>
+          <p:cNvPr id="6" name="Footer Placeholder 5"/>
+          <p:cNvSpPr>
+            <a:spLocks noGrp="1"/>
+          </p:cNvSpPr>
+          <p:nvPr>
+            <p:ph type="ftr" sz="quarter" idx="4"/>
+          </p:nvPr>
+        </p:nvSpPr>
+        <p:spPr>
+          <a:xfrm>
+            <a:off x="0" y="8685213"/>
+            <a:ext cx="2971800" cy="458787"/>
+          </a:xfrm>
+          <a:prstGeom prst="rect">
+            <a:avLst/>
+          </a:prstGeom>
+        </p:spPr>
+        <p:txBody>
+          <a:bodyPr vert="horz" lIns="91440" tIns="45720" rIns="91440" bIns="45720" rtlCol="0" anchor="b"/>
+          <a:lstStyle>
+            <a:lvl1pPr algn="l">
+              <a:defRPr sz="1200"/>
+            </a:lvl1pPr>
+          </a:lstStyle>
+          <a:p>
+            <a:endParaRPr lang="en-US"/>
+          </a:p>
+        </p:txBody>
+      </p:sp>
+      <p:sp>
+        <p:nvSpPr>
+          <p:cNvPr id="7" name="Slide Number Placeholder 6"/>
+          <p:cNvSpPr>
+            <a:spLocks noGrp="1"/>
+          </p:cNvSpPr>
+          <p:nvPr>
+            <p:ph type="sldNum" sz="quarter" idx="5"/>
+          </p:nvPr>
+        </p:nvSpPr>
+        <p:spPr>
+          <a:xfrm>
+            <a:off x="3884613" y="8685213"/>
+            <a:ext cx="2971800" cy="458787"/>
+          </a:xfrm>
+          <a:prstGeom prst="rect">
+            <a:avLst/>
+          </a:prstGeom>
+        </p:spPr>
+        <p:txBody>
+          <a:bodyPr vert="horz" lIns="91440" tIns="45720" rIns="91440" bIns="45720" rtlCol="0" anchor="b"/>
+          <a:lstStyle>
+            <a:lvl1pPr algn="r">
+              <a:defRPr sz="1200"/>
+            </a:lvl1pPr>
+          </a:lstStyle>
+          <a:p>
+            <a:fld id="{6CFC8687-603C-4391-B5DB-65F2990DDAB0}" type="slidenum">
+              <a:rPr lang="en-US" smtClean="0"/>
+              <a:t>‹#›</a:t>
+            </a:fld>
+            <a:endParaRPr lang="en-US"/>
+          </a:p>
+        </p:txBody>
+      </p:sp>
+    </p:spTree>
+    <p:extLst>
+      <p:ext uri="{BB962C8B-B14F-4D97-AF65-F5344CB8AC3E}">
+        <p14:creationId xmlns:p14="http://schemas.microsoft.com/office/powerpoint/2010/main" val="2373398831"/>
+      </p:ext>
+    </p:extLst>
+  </p:cSld>
+  <p:clrMap bg1="lt1" tx1="dk1" bg2="lt2" tx2="dk2" accent1="accent1" accent2="accent2" accent3="accent3" accent4="accent4" accent5="accent5" accent6="accent6" hlink="hlink" folHlink="folHlink"/>
+  <p:notesStyle>
+    <a:lvl1pPr marL="0" algn="l" defTabSz="914400" rtl="0" eaLnBrk="1" latinLnBrk="0" hangingPunct="1">
+      <a:defRPr sz="1200" kern="1200">
+        <a:solidFill>
+          <a:schemeClr val="tx1"/>
+        </a:solidFill>
+        <a:latin typeface="+mn-lt"/>
+        <a:ea typeface="+mn-ea"/>
+        <a:cs typeface="+mn-cs"/>
+      </a:defRPr>
+    </a:lvl1pPr>
+    <a:lvl2pPr marL="457200" algn="l" defTabSz="914400" rtl="0" eaLnBrk="1" latinLnBrk="0" hangingPunct="1">
+      <a:defRPr sz="1200" kern="1200">
+        <a:solidFill>
+          <a:schemeClr val="tx1"/>
+        </a:solidFill>
+        <a:latin typeface="+mn-lt"/>
+        <a:ea typeface="+mn-ea"/>
+        <a:cs typeface="+mn-cs"/>
+      </a:defRPr>
+    </a:lvl2pPr>
+    <a:lvl3pPr marL="914400" algn="l" defTabSz="914400" rtl="0" eaLnBrk="1" latinLnBrk="0" hangingPunct="1">
+      <a:defRPr sz="1200" kern="1200">
+        <a:solidFill>
+          <a:schemeClr val="tx1"/>
+        </a:solidFill>
+        <a:latin typeface="+mn-lt"/>
+        <a:ea typeface="+mn-ea"/>
+        <a:cs typeface="+mn-cs"/>
+      </a:defRPr>
+    </a:lvl3pPr>
+    <a:lvl4pPr marL="1371600" algn="l" defTabSz="914400" rtl="0" eaLnBrk="1" latinLnBrk="0" hangingPunct="1">
+      <a:defRPr sz="1200" kern="1200">
+        <a:solidFill>
+          <a:schemeClr val="tx1"/>
+        </a:solidFill>
+        <a:latin typeface="+mn-lt"/>
+        <a:ea typeface="+mn-ea"/>
+        <a:cs typeface="+mn-cs"/>
+      </a:defRPr>
+    </a:lvl4pPr>
+    <a:lvl5pPr marL="1828800" algn="l" defTabSz="914400" rtl="0" eaLnBrk="1" latinLnBrk="0" hangingPunct="1">
+      <a:defRPr sz="1200" kern="1200">
+        <a:solidFill>
+          <a:schemeClr val="tx1"/>
+        </a:solidFill>
+        <a:latin typeface="+mn-lt"/>
+        <a:ea typeface="+mn-ea"/>
+        <a:cs typeface="+mn-cs"/>
+      </a:defRPr>
+    </a:lvl5pPr>
+    <a:lvl6pPr marL="2286000" algn="l" defTabSz="914400" rtl="0" eaLnBrk="1" latinLnBrk="0" hangingPunct="1">
+      <a:defRPr sz="1200" kern="1200">
+        <a:solidFill>
+          <a:schemeClr val="tx1"/>
+        </a:solidFill>
+        <a:latin typeface="+mn-lt"/>
+        <a:ea typeface="+mn-ea"/>
+        <a:cs typeface="+mn-cs"/>
+      </a:defRPr>
+    </a:lvl6pPr>
+    <a:lvl7pPr marL="2743200" algn="l" defTabSz="914400" rtl="0" eaLnBrk="1" latinLnBrk="0" hangingPunct="1">
+      <a:defRPr sz="1200" kern="1200">
+        <a:solidFill>
+          <a:schemeClr val="tx1"/>
+        </a:solidFill>
+        <a:latin typeface="+mn-lt"/>
+        <a:ea typeface="+mn-ea"/>
+        <a:cs typeface="+mn-cs"/>
+      </a:defRPr>
+    </a:lvl7pPr>
+    <a:lvl8pPr marL="3200400" algn="l" defTabSz="914400" rtl="0" eaLnBrk="1" latinLnBrk="0" hangingPunct="1">
+      <a:defRPr sz="1200" kern="1200">
+        <a:solidFill>
+          <a:schemeClr val="tx1"/>
+        </a:solidFill>
+        <a:latin typeface="+mn-lt"/>
+        <a:ea typeface="+mn-ea"/>
+        <a:cs typeface="+mn-cs"/>
+      </a:defRPr>
+    </a:lvl8pPr>
+    <a:lvl9pPr marL="3657600" algn="l" defTabSz="914400" rtl="0" eaLnBrk="1" latinLnBrk="0" hangingPunct="1">
+      <a:defRPr sz="1200" kern="1200">
+        <a:solidFill>
+          <a:schemeClr val="tx1"/>
+        </a:solidFill>
+        <a:latin typeface="+mn-lt"/>
+        <a:ea typeface="+mn-ea"/>
+        <a:cs typeface="+mn-cs"/>
+      </a:defRPr>
+    </a:lvl9pPr>
+  </p:notesStyle>
+</p:notesMaster>
+</file>
+
 <file path=ppt/slideLayouts/slideLayout1.xml><?xml version="1.0" encoding="utf-8"?>
 <p:sldLayout xmlns:a="http://schemas.openxmlformats.org/drawingml/2006/main" xmlns:r="http://schemas.openxmlformats.org/officeDocument/2006/relationships" xmlns:p="http://schemas.openxmlformats.org/presentationml/2006/main" type="title" preserve="1">
   <p:cSld name="Title Slide">
@@ -243,7 +597,7 @@
           <a:p>
             <a:fld id="{8DEE65C3-DDC1-4B24-9711-E6E01D77CB4D}" type="datetimeFigureOut">
               <a:rPr lang="en-US" smtClean="0"/>
-              <a:t>4/25/2021</a:t>
+              <a:t>7/11/2021</a:t>
             </a:fld>
             <a:endParaRPr lang="en-US"/>
           </a:p>
@@ -413,7 +767,7 @@
           <a:p>
             <a:fld id="{8DEE65C3-DDC1-4B24-9711-E6E01D77CB4D}" type="datetimeFigureOut">
               <a:rPr lang="en-US" smtClean="0"/>
-              <a:t>4/25/2021</a:t>
+              <a:t>7/11/2021</a:t>
             </a:fld>
             <a:endParaRPr lang="en-US"/>
           </a:p>
@@ -593,7 +947,7 @@
           <a:p>
             <a:fld id="{8DEE65C3-DDC1-4B24-9711-E6E01D77CB4D}" type="datetimeFigureOut">
               <a:rPr lang="en-US" smtClean="0"/>
-              <a:t>4/25/2021</a:t>
+              <a:t>7/11/2021</a:t>
             </a:fld>
             <a:endParaRPr lang="en-US"/>
           </a:p>
@@ -763,7 +1117,7 @@
           <a:p>
             <a:fld id="{8DEE65C3-DDC1-4B24-9711-E6E01D77CB4D}" type="datetimeFigureOut">
               <a:rPr lang="en-US" smtClean="0"/>
-              <a:t>4/25/2021</a:t>
+              <a:t>7/11/2021</a:t>
             </a:fld>
             <a:endParaRPr lang="en-US"/>
           </a:p>
@@ -1007,7 +1361,7 @@
           <a:p>
             <a:fld id="{8DEE65C3-DDC1-4B24-9711-E6E01D77CB4D}" type="datetimeFigureOut">
               <a:rPr lang="en-US" smtClean="0"/>
-              <a:t>4/25/2021</a:t>
+              <a:t>7/11/2021</a:t>
             </a:fld>
             <a:endParaRPr lang="en-US"/>
           </a:p>
@@ -1239,7 +1593,7 @@
           <a:p>
             <a:fld id="{8DEE65C3-DDC1-4B24-9711-E6E01D77CB4D}" type="datetimeFigureOut">
               <a:rPr lang="en-US" smtClean="0"/>
-              <a:t>4/25/2021</a:t>
+              <a:t>7/11/2021</a:t>
             </a:fld>
             <a:endParaRPr lang="en-US"/>
           </a:p>
@@ -1606,7 +1960,7 @@
           <a:p>
             <a:fld id="{8DEE65C3-DDC1-4B24-9711-E6E01D77CB4D}" type="datetimeFigureOut">
               <a:rPr lang="en-US" smtClean="0"/>
-              <a:t>4/25/2021</a:t>
+              <a:t>7/11/2021</a:t>
             </a:fld>
             <a:endParaRPr lang="en-US"/>
           </a:p>
@@ -1724,7 +2078,7 @@
           <a:p>
             <a:fld id="{8DEE65C3-DDC1-4B24-9711-E6E01D77CB4D}" type="datetimeFigureOut">
               <a:rPr lang="en-US" smtClean="0"/>
-              <a:t>4/25/2021</a:t>
+              <a:t>7/11/2021</a:t>
             </a:fld>
             <a:endParaRPr lang="en-US"/>
           </a:p>
@@ -1819,7 +2173,7 @@
           <a:p>
             <a:fld id="{8DEE65C3-DDC1-4B24-9711-E6E01D77CB4D}" type="datetimeFigureOut">
               <a:rPr lang="en-US" smtClean="0"/>
-              <a:t>4/25/2021</a:t>
+              <a:t>7/11/2021</a:t>
             </a:fld>
             <a:endParaRPr lang="en-US"/>
           </a:p>
@@ -2096,7 +2450,7 @@
           <a:p>
             <a:fld id="{8DEE65C3-DDC1-4B24-9711-E6E01D77CB4D}" type="datetimeFigureOut">
               <a:rPr lang="en-US" smtClean="0"/>
-              <a:t>4/25/2021</a:t>
+              <a:t>7/11/2021</a:t>
             </a:fld>
             <a:endParaRPr lang="en-US"/>
           </a:p>
@@ -2353,7 +2707,7 @@
           <a:p>
             <a:fld id="{8DEE65C3-DDC1-4B24-9711-E6E01D77CB4D}" type="datetimeFigureOut">
               <a:rPr lang="en-US" smtClean="0"/>
-              <a:t>4/25/2021</a:t>
+              <a:t>7/11/2021</a:t>
             </a:fld>
             <a:endParaRPr lang="en-US"/>
           </a:p>
@@ -2566,7 +2920,7 @@
           <a:p>
             <a:fld id="{8DEE65C3-DDC1-4B24-9711-E6E01D77CB4D}" type="datetimeFigureOut">
               <a:rPr lang="en-US" smtClean="0"/>
-              <a:t>4/25/2021</a:t>
+              <a:t>7/11/2021</a:t>
             </a:fld>
             <a:endParaRPr lang="en-US"/>
           </a:p>
@@ -3261,6 +3615,864 @@
 </p:sld>
 </file>
 
+<file path=ppt/slides/slide2.xml><?xml version="1.0" encoding="utf-8"?>
+<p:sld xmlns:a="http://schemas.openxmlformats.org/drawingml/2006/main" xmlns:r="http://schemas.openxmlformats.org/officeDocument/2006/relationships" xmlns:p="http://schemas.openxmlformats.org/presentationml/2006/main">
+  <p:cSld>
+    <p:bg>
+      <p:bgPr>
+        <a:solidFill>
+          <a:schemeClr val="tx1"/>
+        </a:solidFill>
+        <a:effectLst/>
+      </p:bgPr>
+    </p:bg>
+    <p:spTree>
+      <p:nvGrpSpPr>
+        <p:cNvPr id="1" name=""/>
+        <p:cNvGrpSpPr/>
+        <p:nvPr/>
+      </p:nvGrpSpPr>
+      <p:grpSpPr>
+        <a:xfrm>
+          <a:off x="0" y="0"/>
+          <a:ext cx="0" cy="0"/>
+          <a:chOff x="0" y="0"/>
+          <a:chExt cx="0" cy="0"/>
+        </a:xfrm>
+      </p:grpSpPr>
+      <p:sp>
+        <p:nvSpPr>
+          <p:cNvPr id="2" name="Rectangle 1"/>
+          <p:cNvSpPr/>
+          <p:nvPr/>
+        </p:nvSpPr>
+        <p:spPr>
+          <a:xfrm>
+            <a:off x="1429973" y="1153313"/>
+            <a:ext cx="1303562" cy="1107996"/>
+          </a:xfrm>
+          <a:prstGeom prst="rect">
+            <a:avLst/>
+          </a:prstGeom>
+          <a:noFill/>
+        </p:spPr>
+        <p:txBody>
+          <a:bodyPr wrap="none" lIns="91440" tIns="45720" rIns="91440" bIns="45720">
+            <a:spAutoFit/>
+          </a:bodyPr>
+          <a:lstStyle/>
+          <a:p>
+            <a:pPr algn="ctr"/>
+            <a:r>
+              <a:rPr lang="en-GB" sz="6600" b="1" dirty="0" smtClean="0">
+                <a:ln w="0"/>
+                <a:solidFill>
+                  <a:srgbClr val="FF0000"/>
+                </a:solidFill>
+                <a:effectLst>
+                  <a:outerShdw blurRad="38100" dist="19050" dir="2700000" algn="tl" rotWithShape="0">
+                    <a:schemeClr val="dk1">
+                      <a:alpha val="40000"/>
+                    </a:schemeClr>
+                  </a:outerShdw>
+                </a:effectLst>
+                <a:latin typeface="AmbersHand" panose="020B7200000000000000" pitchFamily="34" charset="0"/>
+              </a:rPr>
+              <a:t>v 1</a:t>
+            </a:r>
+            <a:endParaRPr lang="en-US" sz="6600" b="1" cap="none" spc="0" dirty="0">
+              <a:ln w="0"/>
+              <a:solidFill>
+                <a:srgbClr val="FF0000"/>
+              </a:solidFill>
+              <a:effectLst>
+                <a:outerShdw blurRad="38100" dist="19050" dir="2700000" algn="tl" rotWithShape="0">
+                  <a:schemeClr val="dk1">
+                    <a:alpha val="40000"/>
+                  </a:schemeClr>
+                </a:outerShdw>
+              </a:effectLst>
+              <a:latin typeface="AmbersHand" panose="020B7200000000000000" pitchFamily="34" charset="0"/>
+            </a:endParaRPr>
+          </a:p>
+        </p:txBody>
+      </p:sp>
+      <p:pic>
+        <p:nvPicPr>
+          <p:cNvPr id="3" name="Picture 2"/>
+          <p:cNvPicPr>
+            <a:picLocks noChangeAspect="1"/>
+          </p:cNvPicPr>
+          <p:nvPr/>
+        </p:nvPicPr>
+        <p:blipFill>
+          <a:blip r:embed="rId2">
+            <a:extLst>
+              <a:ext uri="{BEBA8EAE-BF5A-486C-A8C5-ECC9F3942E4B}">
+                <a14:imgProps xmlns:a14="http://schemas.microsoft.com/office/drawing/2010/main">
+                  <a14:imgLayer r:embed="rId3">
+                    <a14:imgEffect>
+                      <a14:artisticCrisscrossEtching/>
+                    </a14:imgEffect>
+                  </a14:imgLayer>
+                </a14:imgProps>
+              </a:ext>
+              <a:ext uri="{28A0092B-C50C-407E-A947-70E740481C1C}">
+                <a14:useLocalDpi xmlns:a14="http://schemas.microsoft.com/office/drawing/2010/main" val="0"/>
+              </a:ext>
+            </a:extLst>
+          </a:blip>
+          <a:stretch>
+            <a:fillRect/>
+          </a:stretch>
+        </p:blipFill>
+        <p:spPr>
+          <a:xfrm>
+            <a:off x="11128383" y="367782"/>
+            <a:ext cx="2679058" cy="2679058"/>
+          </a:xfrm>
+          <a:prstGeom prst="ellipse">
+            <a:avLst/>
+          </a:prstGeom>
+          <a:ln w="190500" cap="rnd">
+            <a:solidFill>
+              <a:srgbClr val="C8C6BD"/>
+            </a:solidFill>
+            <a:prstDash val="solid"/>
+          </a:ln>
+          <a:effectLst>
+            <a:outerShdw blurRad="127000" algn="bl" rotWithShape="0">
+              <a:srgbClr val="000000"/>
+            </a:outerShdw>
+          </a:effectLst>
+          <a:scene3d>
+            <a:camera prst="perspectiveFront" fov="5400000"/>
+            <a:lightRig rig="threePt" dir="t">
+              <a:rot lat="0" lon="0" rev="19200000"/>
+            </a:lightRig>
+          </a:scene3d>
+          <a:sp3d extrusionH="25400">
+            <a:bevelT w="304800" h="152400" prst="hardEdge"/>
+            <a:extrusionClr>
+              <a:srgbClr val="000000"/>
+            </a:extrusionClr>
+          </a:sp3d>
+        </p:spPr>
+      </p:pic>
+      <p:sp>
+        <p:nvSpPr>
+          <p:cNvPr id="7" name="Rectangle 6"/>
+          <p:cNvSpPr/>
+          <p:nvPr/>
+        </p:nvSpPr>
+        <p:spPr>
+          <a:xfrm>
+            <a:off x="3362311" y="922481"/>
+            <a:ext cx="7382149" cy="1569660"/>
+          </a:xfrm>
+          <a:prstGeom prst="rect">
+            <a:avLst/>
+          </a:prstGeom>
+        </p:spPr>
+        <p:txBody>
+          <a:bodyPr wrap="none">
+            <a:spAutoFit/>
+          </a:bodyPr>
+          <a:lstStyle/>
+          <a:p>
+            <a:pPr algn="ctr"/>
+            <a:r>
+              <a:rPr lang="fa-IR" sz="9600" b="1" dirty="0" smtClean="0">
+                <a:ln w="0"/>
+                <a:solidFill>
+                  <a:schemeClr val="bg1"/>
+                </a:solidFill>
+                <a:effectLst>
+                  <a:outerShdw blurRad="38100" dist="19050" dir="2700000" algn="tl" rotWithShape="0">
+                    <a:schemeClr val="dk1">
+                      <a:alpha val="40000"/>
+                    </a:schemeClr>
+                  </a:outerShdw>
+                </a:effectLst>
+                <a:latin typeface="AmbersHand" panose="020B7200000000000000" pitchFamily="34" charset="0"/>
+                <a:cs typeface="B Compset" panose="00000400000000000000" pitchFamily="2" charset="-78"/>
+              </a:rPr>
+              <a:t>اپلیکیشن اعلان یارا</a:t>
+            </a:r>
+            <a:endParaRPr lang="en-US" sz="8800" dirty="0">
+              <a:solidFill>
+                <a:schemeClr val="bg1"/>
+              </a:solidFill>
+              <a:cs typeface="B Compset" panose="00000400000000000000" pitchFamily="2" charset="-78"/>
+            </a:endParaRPr>
+          </a:p>
+        </p:txBody>
+      </p:sp>
+      <p:sp>
+        <p:nvSpPr>
+          <p:cNvPr id="4" name="Rectangle 3"/>
+          <p:cNvSpPr/>
+          <p:nvPr/>
+        </p:nvSpPr>
+        <p:spPr>
+          <a:xfrm>
+            <a:off x="571500" y="3138471"/>
+            <a:ext cx="13395961" cy="7626627"/>
+          </a:xfrm>
+          <a:prstGeom prst="rect">
+            <a:avLst/>
+          </a:prstGeom>
+          <a:noFill/>
+          <a:ln w="9525" cap="flat" cmpd="sng" algn="ctr">
+            <a:solidFill>
+              <a:schemeClr val="accent6"/>
+            </a:solidFill>
+            <a:prstDash val="solid"/>
+            <a:round/>
+            <a:headEnd type="none" w="med" len="med"/>
+            <a:tailEnd type="none" w="med" len="med"/>
+          </a:ln>
+        </p:spPr>
+        <p:style>
+          <a:lnRef idx="0">
+            <a:scrgbClr r="0" g="0" b="0"/>
+          </a:lnRef>
+          <a:fillRef idx="0">
+            <a:scrgbClr r="0" g="0" b="0"/>
+          </a:fillRef>
+          <a:effectRef idx="0">
+            <a:scrgbClr r="0" g="0" b="0"/>
+          </a:effectRef>
+          <a:fontRef idx="minor">
+            <a:schemeClr val="accent6"/>
+          </a:fontRef>
+        </p:style>
+        <p:txBody>
+          <a:bodyPr rtlCol="0" anchor="ctr"/>
+          <a:lstStyle/>
+          <a:p>
+            <a:pPr algn="r" rtl="1"/>
+            <a:r>
+              <a:rPr lang="fa-IR" sz="4400" dirty="0" smtClean="0">
+                <a:solidFill>
+                  <a:schemeClr val="accent6">
+                    <a:lumMod val="40000"/>
+                    <a:lumOff val="60000"/>
+                  </a:schemeClr>
+                </a:solidFill>
+                <a:cs typeface="B Titr" panose="00000700000000000000" pitchFamily="2" charset="-78"/>
+              </a:rPr>
+              <a:t>این برنامه نسخه اندروید سامانه یارا دانشگاه علم و فناوری مازندران میباشد و جهت تسهیل روند کار با سامانه یارا طراحی شده است </a:t>
+            </a:r>
+          </a:p>
+          <a:p>
+            <a:pPr algn="r" rtl="1"/>
+            <a:r>
+              <a:rPr lang="fa-IR" sz="4400" dirty="0" smtClean="0">
+                <a:solidFill>
+                  <a:schemeClr val="accent6">
+                    <a:lumMod val="40000"/>
+                    <a:lumOff val="60000"/>
+                  </a:schemeClr>
+                </a:solidFill>
+                <a:cs typeface="B Titr" panose="00000700000000000000" pitchFamily="2" charset="-78"/>
+              </a:rPr>
+              <a:t>مزیت های این اپلیکیشن نسبت سامانه یارا :</a:t>
+            </a:r>
+          </a:p>
+          <a:p>
+            <a:pPr marL="571500" indent="-571500" algn="r" rtl="1">
+              <a:buFont typeface="Arial" panose="020B0604020202020204" pitchFamily="34" charset="0"/>
+              <a:buChar char="•"/>
+            </a:pPr>
+            <a:r>
+              <a:rPr lang="fa-IR" sz="4400" dirty="0" smtClean="0">
+                <a:solidFill>
+                  <a:srgbClr val="00B0F0"/>
+                </a:solidFill>
+                <a:cs typeface="B Titr" panose="00000700000000000000" pitchFamily="2" charset="-78"/>
+              </a:rPr>
+              <a:t>دسته بندی تمارین از دست رفته و ارسالی </a:t>
+            </a:r>
+          </a:p>
+          <a:p>
+            <a:pPr marL="571500" indent="-571500" algn="r" rtl="1">
+              <a:buFont typeface="Arial" panose="020B0604020202020204" pitchFamily="34" charset="0"/>
+              <a:buChar char="•"/>
+            </a:pPr>
+            <a:r>
+              <a:rPr lang="fa-IR" sz="4400" dirty="0" smtClean="0">
+                <a:solidFill>
+                  <a:srgbClr val="00B0F0"/>
+                </a:solidFill>
+                <a:cs typeface="B Titr" panose="00000700000000000000" pitchFamily="2" charset="-78"/>
+              </a:rPr>
+              <a:t>نمایش اطلاعات کامل رویداد ها در یک صفحه</a:t>
+            </a:r>
+          </a:p>
+          <a:p>
+            <a:pPr marL="571500" indent="-571500" algn="r" rtl="1">
+              <a:buFont typeface="Arial" panose="020B0604020202020204" pitchFamily="34" charset="0"/>
+              <a:buChar char="•"/>
+            </a:pPr>
+            <a:r>
+              <a:rPr lang="fa-IR" sz="4400" dirty="0" smtClean="0">
+                <a:solidFill>
+                  <a:srgbClr val="00B0F0"/>
+                </a:solidFill>
+                <a:cs typeface="B Titr" panose="00000700000000000000" pitchFamily="2" charset="-78"/>
+              </a:rPr>
+              <a:t>نمایش زمان گذاشتن اعلان در اعلانات توسط استاد</a:t>
+            </a:r>
+          </a:p>
+          <a:p>
+            <a:pPr marL="571500" indent="-571500" algn="r" rtl="1">
+              <a:buFont typeface="Arial" panose="020B0604020202020204" pitchFamily="34" charset="0"/>
+              <a:buChar char="•"/>
+            </a:pPr>
+            <a:r>
+              <a:rPr lang="fa-IR" sz="4400" dirty="0" smtClean="0">
+                <a:solidFill>
+                  <a:srgbClr val="00B0F0"/>
+                </a:solidFill>
+                <a:cs typeface="B Titr" panose="00000700000000000000" pitchFamily="2" charset="-78"/>
+              </a:rPr>
+              <a:t>نمایش رویداد های فوری برای دیروز و امروز و فردا و پسفردا</a:t>
+            </a:r>
+          </a:p>
+          <a:p>
+            <a:pPr marL="571500" indent="-571500" algn="r" rtl="1">
+              <a:buFont typeface="Arial" panose="020B0604020202020204" pitchFamily="34" charset="0"/>
+              <a:buChar char="•"/>
+            </a:pPr>
+            <a:r>
+              <a:rPr lang="fa-IR" sz="4400" dirty="0" smtClean="0">
+                <a:solidFill>
+                  <a:srgbClr val="00B0F0"/>
+                </a:solidFill>
+                <a:cs typeface="B Titr" panose="00000700000000000000" pitchFamily="2" charset="-78"/>
+              </a:rPr>
+              <a:t>نمایش زمان سین کردن پیام توسط استاد در پیامرسان</a:t>
+            </a:r>
+          </a:p>
+          <a:p>
+            <a:pPr marL="571500" indent="-571500" algn="r" rtl="1">
+              <a:buFont typeface="Arial" panose="020B0604020202020204" pitchFamily="34" charset="0"/>
+              <a:buChar char="•"/>
+            </a:pPr>
+            <a:r>
+              <a:rPr lang="fa-IR" sz="4400" dirty="0" smtClean="0">
+                <a:solidFill>
+                  <a:srgbClr val="00B0F0"/>
+                </a:solidFill>
+                <a:cs typeface="B Titr" panose="00000700000000000000" pitchFamily="2" charset="-78"/>
+              </a:rPr>
+              <a:t>و....</a:t>
+            </a:r>
+          </a:p>
+          <a:p>
+            <a:pPr algn="r" rtl="1"/>
+            <a:r>
+              <a:rPr lang="fa-IR" sz="4400" dirty="0" smtClean="0">
+                <a:solidFill>
+                  <a:schemeClr val="accent6">
+                    <a:lumMod val="40000"/>
+                    <a:lumOff val="60000"/>
+                  </a:schemeClr>
+                </a:solidFill>
+                <a:cs typeface="B Titr" panose="00000700000000000000" pitchFamily="2" charset="-78"/>
+              </a:rPr>
+              <a:t>به دلیل رعایت نکات امنیتی، ارسال تمرین، ارسال پیام به استاد و شرکت در آزمون در این برتامه غیر فعال میباشد.</a:t>
+            </a:r>
+          </a:p>
+        </p:txBody>
+      </p:sp>
+      <p:sp>
+        <p:nvSpPr>
+          <p:cNvPr id="5" name="Rectangle 4"/>
+          <p:cNvSpPr/>
+          <p:nvPr/>
+        </p:nvSpPr>
+        <p:spPr>
+          <a:xfrm>
+            <a:off x="0" y="12162504"/>
+            <a:ext cx="9563900" cy="646331"/>
+          </a:xfrm>
+          <a:prstGeom prst="rect">
+            <a:avLst/>
+          </a:prstGeom>
+          <a:noFill/>
+        </p:spPr>
+        <p:txBody>
+          <a:bodyPr wrap="none" lIns="91440" tIns="45720" rIns="91440" bIns="45720">
+            <a:spAutoFit/>
+          </a:bodyPr>
+          <a:lstStyle/>
+          <a:p>
+            <a:pPr algn="ctr"/>
+            <a:r>
+              <a:rPr lang="en-GB" sz="3600" b="1" spc="50" dirty="0" err="1" smtClean="0">
+                <a:ln w="0"/>
+                <a:solidFill>
+                  <a:schemeClr val="bg2"/>
+                </a:solidFill>
+                <a:effectLst>
+                  <a:innerShdw blurRad="63500" dist="50800" dir="13500000">
+                    <a:srgbClr val="000000">
+                      <a:alpha val="50000"/>
+                    </a:srgbClr>
+                  </a:innerShdw>
+                </a:effectLst>
+              </a:rPr>
+              <a:t>Yara</a:t>
+            </a:r>
+            <a:r>
+              <a:rPr lang="en-GB" sz="3600" b="1" spc="50" dirty="0" smtClean="0">
+                <a:ln w="0"/>
+                <a:solidFill>
+                  <a:schemeClr val="bg2"/>
+                </a:solidFill>
+                <a:effectLst>
+                  <a:innerShdw blurRad="63500" dist="50800" dir="13500000">
+                    <a:srgbClr val="000000">
+                      <a:alpha val="50000"/>
+                    </a:srgbClr>
+                  </a:innerShdw>
+                </a:effectLst>
+              </a:rPr>
+              <a:t> </a:t>
+            </a:r>
+            <a:r>
+              <a:rPr lang="en-GB" sz="3600" b="1" spc="50" dirty="0" err="1" smtClean="0">
+                <a:ln w="0"/>
+                <a:solidFill>
+                  <a:schemeClr val="bg2"/>
+                </a:solidFill>
+                <a:effectLst>
+                  <a:innerShdw blurRad="63500" dist="50800" dir="13500000">
+                    <a:srgbClr val="000000">
+                      <a:alpha val="50000"/>
+                    </a:srgbClr>
+                  </a:innerShdw>
+                </a:effectLst>
+              </a:rPr>
+              <a:t>notifier</a:t>
+            </a:r>
+            <a:r>
+              <a:rPr lang="en-GB" sz="3600" b="1" spc="50" dirty="0" smtClean="0">
+                <a:ln w="0"/>
+                <a:solidFill>
+                  <a:schemeClr val="bg2"/>
+                </a:solidFill>
+                <a:effectLst>
+                  <a:innerShdw blurRad="63500" dist="50800" dir="13500000">
+                    <a:srgbClr val="000000">
+                      <a:alpha val="50000"/>
+                    </a:srgbClr>
+                  </a:innerShdw>
+                </a:effectLst>
+              </a:rPr>
+              <a:t> </a:t>
+            </a:r>
+            <a:r>
+              <a:rPr lang="en-GB" sz="3600" b="1" spc="50" dirty="0" smtClean="0">
+                <a:ln w="0"/>
+                <a:solidFill>
+                  <a:srgbClr val="92D050"/>
+                </a:solidFill>
+                <a:effectLst>
+                  <a:innerShdw blurRad="63500" dist="50800" dir="13500000">
+                    <a:srgbClr val="000000">
+                      <a:alpha val="50000"/>
+                    </a:srgbClr>
+                  </a:innerShdw>
+                </a:effectLst>
+              </a:rPr>
+              <a:t>(Open Source) </a:t>
+            </a:r>
+            <a:r>
+              <a:rPr lang="en-GB" sz="3600" b="1" spc="50" dirty="0" smtClean="0">
+                <a:ln w="0"/>
+                <a:solidFill>
+                  <a:schemeClr val="bg2"/>
+                </a:solidFill>
+                <a:effectLst>
+                  <a:innerShdw blurRad="63500" dist="50800" dir="13500000">
+                    <a:srgbClr val="000000">
+                      <a:alpha val="50000"/>
+                    </a:srgbClr>
+                  </a:innerShdw>
+                </a:effectLst>
+              </a:rPr>
+              <a:t>Android application</a:t>
+            </a:r>
+            <a:endParaRPr lang="en-US" sz="3600" b="1" cap="none" spc="50" dirty="0">
+              <a:ln w="0"/>
+              <a:solidFill>
+                <a:schemeClr val="bg2"/>
+              </a:solidFill>
+              <a:effectLst>
+                <a:innerShdw blurRad="63500" dist="50800" dir="13500000">
+                  <a:srgbClr val="000000">
+                    <a:alpha val="50000"/>
+                  </a:srgbClr>
+                </a:innerShdw>
+              </a:effectLst>
+            </a:endParaRPr>
+          </a:p>
+        </p:txBody>
+      </p:sp>
+      <p:sp>
+        <p:nvSpPr>
+          <p:cNvPr id="8" name="Rectangle 7"/>
+          <p:cNvSpPr/>
+          <p:nvPr/>
+        </p:nvSpPr>
+        <p:spPr>
+          <a:xfrm>
+            <a:off x="0" y="12808835"/>
+            <a:ext cx="5747856" cy="646331"/>
+          </a:xfrm>
+          <a:prstGeom prst="rect">
+            <a:avLst/>
+          </a:prstGeom>
+          <a:noFill/>
+        </p:spPr>
+        <p:txBody>
+          <a:bodyPr wrap="none" lIns="91440" tIns="45720" rIns="91440" bIns="45720">
+            <a:spAutoFit/>
+          </a:bodyPr>
+          <a:lstStyle/>
+          <a:p>
+            <a:pPr algn="ctr"/>
+            <a:r>
+              <a:rPr lang="en-US" sz="3600" b="1" cap="none" spc="0" dirty="0" err="1" smtClean="0">
+                <a:ln w="10160">
+                  <a:solidFill>
+                    <a:schemeClr val="accent5"/>
+                  </a:solidFill>
+                  <a:prstDash val="solid"/>
+                </a:ln>
+                <a:solidFill>
+                  <a:srgbClr val="FFFFFF"/>
+                </a:solidFill>
+                <a:effectLst>
+                  <a:outerShdw blurRad="38100" dist="22860" dir="5400000" algn="tl" rotWithShape="0">
+                    <a:srgbClr val="000000">
+                      <a:alpha val="30000"/>
+                    </a:srgbClr>
+                  </a:outerShdw>
+                </a:effectLst>
+              </a:rPr>
+              <a:t>Xamarin</a:t>
+            </a:r>
+            <a:r>
+              <a:rPr lang="en-US" sz="3600" b="1" cap="none" spc="0" dirty="0" smtClean="0">
+                <a:ln w="10160">
+                  <a:solidFill>
+                    <a:schemeClr val="accent5"/>
+                  </a:solidFill>
+                  <a:prstDash val="solid"/>
+                </a:ln>
+                <a:solidFill>
+                  <a:srgbClr val="FFFFFF"/>
+                </a:solidFill>
+                <a:effectLst>
+                  <a:outerShdw blurRad="38100" dist="22860" dir="5400000" algn="tl" rotWithShape="0">
+                    <a:srgbClr val="000000">
+                      <a:alpha val="30000"/>
+                    </a:srgbClr>
+                  </a:outerShdw>
+                </a:effectLst>
+              </a:rPr>
+              <a:t> Android Csharp.NET</a:t>
+            </a:r>
+            <a:endParaRPr lang="en-US" sz="3600" b="1" cap="none" spc="0" dirty="0">
+              <a:ln w="10160">
+                <a:solidFill>
+                  <a:schemeClr val="accent5"/>
+                </a:solidFill>
+                <a:prstDash val="solid"/>
+              </a:ln>
+              <a:solidFill>
+                <a:srgbClr val="FFFFFF"/>
+              </a:solidFill>
+              <a:effectLst>
+                <a:outerShdw blurRad="38100" dist="22860" dir="5400000" algn="tl" rotWithShape="0">
+                  <a:srgbClr val="000000">
+                    <a:alpha val="30000"/>
+                  </a:srgbClr>
+                </a:outerShdw>
+              </a:effectLst>
+            </a:endParaRPr>
+          </a:p>
+        </p:txBody>
+      </p:sp>
+      <p:sp>
+        <p:nvSpPr>
+          <p:cNvPr id="9" name="Rectangle 8"/>
+          <p:cNvSpPr/>
+          <p:nvPr/>
+        </p:nvSpPr>
+        <p:spPr>
+          <a:xfrm>
+            <a:off x="1242028" y="11372854"/>
+            <a:ext cx="12054903" cy="707886"/>
+          </a:xfrm>
+          <a:prstGeom prst="rect">
+            <a:avLst/>
+          </a:prstGeom>
+          <a:ln>
+            <a:headEnd type="none" w="med" len="med"/>
+            <a:tailEnd type="none" w="med" len="med"/>
+          </a:ln>
+        </p:spPr>
+        <p:style>
+          <a:lnRef idx="0">
+            <a:schemeClr val="accent6"/>
+          </a:lnRef>
+          <a:fillRef idx="3">
+            <a:schemeClr val="accent6"/>
+          </a:fillRef>
+          <a:effectRef idx="3">
+            <a:schemeClr val="accent6"/>
+          </a:effectRef>
+          <a:fontRef idx="minor">
+            <a:schemeClr val="lt1"/>
+          </a:fontRef>
+        </p:style>
+        <p:txBody>
+          <a:bodyPr wrap="none" lIns="91440" tIns="45720" rIns="91440" bIns="45720">
+            <a:spAutoFit/>
+            <a:scene3d>
+              <a:camera prst="orthographicFront"/>
+              <a:lightRig rig="soft" dir="t">
+                <a:rot lat="0" lon="0" rev="15600000"/>
+              </a:lightRig>
+            </a:scene3d>
+            <a:sp3d extrusionH="57150" prstMaterial="softEdge">
+              <a:bevelT w="25400" h="38100"/>
+            </a:sp3d>
+          </a:bodyPr>
+          <a:lstStyle/>
+          <a:p>
+            <a:pPr algn="ctr"/>
+            <a:r>
+              <a:rPr lang="fa-IR" sz="4000" b="1" dirty="0" smtClean="0">
+                <a:ln/>
+                <a:solidFill>
+                  <a:srgbClr val="002060"/>
+                </a:solidFill>
+                <a:cs typeface="B Titr" panose="00000700000000000000" pitchFamily="2" charset="-78"/>
+              </a:rPr>
+              <a:t>تمامی حقوق این برنامه مربوط به سازنده آن است و محفوظ میباشد</a:t>
+            </a:r>
+            <a:endParaRPr lang="en-US" sz="4000" b="1" cap="none" spc="0" dirty="0">
+              <a:ln/>
+              <a:solidFill>
+                <a:srgbClr val="002060"/>
+              </a:solidFill>
+              <a:effectLst/>
+              <a:cs typeface="B Titr" panose="00000700000000000000" pitchFamily="2" charset="-78"/>
+            </a:endParaRPr>
+          </a:p>
+        </p:txBody>
+      </p:sp>
+      <p:sp>
+        <p:nvSpPr>
+          <p:cNvPr id="10" name="Rectangle 9"/>
+          <p:cNvSpPr/>
+          <p:nvPr/>
+        </p:nvSpPr>
+        <p:spPr>
+          <a:xfrm>
+            <a:off x="787104" y="13523746"/>
+            <a:ext cx="13188227" cy="707886"/>
+          </a:xfrm>
+          <a:prstGeom prst="rect">
+            <a:avLst/>
+          </a:prstGeom>
+          <a:noFill/>
+        </p:spPr>
+        <p:txBody>
+          <a:bodyPr wrap="none" lIns="91440" tIns="45720" rIns="91440" bIns="45720">
+            <a:spAutoFit/>
+          </a:bodyPr>
+          <a:lstStyle/>
+          <a:p>
+            <a:pPr algn="ctr"/>
+            <a:r>
+              <a:rPr lang="en-GB" sz="4000" b="1" spc="50" dirty="0" smtClean="0">
+                <a:ln w="0"/>
+                <a:solidFill>
+                  <a:srgbClr val="FFFF00"/>
+                </a:solidFill>
+                <a:effectLst>
+                  <a:innerShdw blurRad="63500" dist="50800" dir="13500000">
+                    <a:srgbClr val="000000">
+                      <a:alpha val="50000"/>
+                    </a:srgbClr>
+                  </a:innerShdw>
+                </a:effectLst>
+                <a:latin typeface="Accolade-LightIta" pitchFamily="2" charset="0"/>
+                <a:cs typeface="ae_Metal" panose="02060603050605020204" pitchFamily="18" charset="-78"/>
+              </a:rPr>
+              <a:t>2021 Copyright </a:t>
+            </a:r>
+            <a:r>
+              <a:rPr lang="en-GB" sz="4000" b="1" spc="50" dirty="0" err="1" smtClean="0">
+                <a:ln w="0"/>
+                <a:solidFill>
+                  <a:srgbClr val="FFFF00"/>
+                </a:solidFill>
+                <a:effectLst>
+                  <a:innerShdw blurRad="63500" dist="50800" dir="13500000">
+                    <a:srgbClr val="000000">
+                      <a:alpha val="50000"/>
+                    </a:srgbClr>
+                  </a:innerShdw>
+                </a:effectLst>
+                <a:latin typeface="Accolade-LightIta" pitchFamily="2" charset="0"/>
+                <a:cs typeface="ae_Metal" panose="02060603050605020204" pitchFamily="18" charset="-78"/>
+              </a:rPr>
+              <a:t>amhrezazade</a:t>
+            </a:r>
+            <a:r>
+              <a:rPr lang="en-GB" sz="4000" b="1" spc="50" dirty="0" smtClean="0">
+                <a:ln w="0"/>
+                <a:solidFill>
+                  <a:srgbClr val="FFFF00"/>
+                </a:solidFill>
+                <a:effectLst>
+                  <a:innerShdw blurRad="63500" dist="50800" dir="13500000">
+                    <a:srgbClr val="000000">
+                      <a:alpha val="50000"/>
+                    </a:srgbClr>
+                  </a:innerShdw>
+                </a:effectLst>
+                <a:latin typeface="Accolade-LightIta" pitchFamily="2" charset="0"/>
+                <a:cs typeface="ae_Metal" panose="02060603050605020204" pitchFamily="18" charset="-78"/>
+              </a:rPr>
+              <a:t> All rights reserved</a:t>
+            </a:r>
+            <a:endParaRPr lang="en-US" sz="4000" b="1" cap="none" spc="50" dirty="0">
+              <a:ln w="0"/>
+              <a:solidFill>
+                <a:srgbClr val="FFFF00"/>
+              </a:solidFill>
+              <a:effectLst>
+                <a:innerShdw blurRad="63500" dist="50800" dir="13500000">
+                  <a:srgbClr val="000000">
+                    <a:alpha val="50000"/>
+                  </a:srgbClr>
+                </a:innerShdw>
+              </a:effectLst>
+              <a:latin typeface="Accolade-LightIta" pitchFamily="2" charset="0"/>
+              <a:cs typeface="ae_Metal" panose="02060603050605020204" pitchFamily="18" charset="-78"/>
+            </a:endParaRPr>
+          </a:p>
+        </p:txBody>
+      </p:sp>
+      <p:sp>
+        <p:nvSpPr>
+          <p:cNvPr id="11" name="Rectangle 10"/>
+          <p:cNvSpPr/>
+          <p:nvPr/>
+        </p:nvSpPr>
+        <p:spPr>
+          <a:xfrm>
+            <a:off x="5872951" y="12747280"/>
+            <a:ext cx="3016531" cy="707886"/>
+          </a:xfrm>
+          <a:prstGeom prst="rect">
+            <a:avLst/>
+          </a:prstGeom>
+          <a:noFill/>
+        </p:spPr>
+        <p:txBody>
+          <a:bodyPr wrap="none" lIns="91440" tIns="45720" rIns="91440" bIns="45720">
+            <a:spAutoFit/>
+          </a:bodyPr>
+          <a:lstStyle/>
+          <a:p>
+            <a:pPr algn="ctr"/>
+            <a:r>
+              <a:rPr lang="en-US" sz="4000" u="sng" dirty="0" smtClean="0">
+                <a:ln w="0"/>
+                <a:solidFill>
+                  <a:schemeClr val="accent1"/>
+                </a:solidFill>
+                <a:effectLst>
+                  <a:outerShdw blurRad="38100" dist="25400" dir="5400000" algn="ctr" rotWithShape="0">
+                    <a:srgbClr val="6E747A">
+                      <a:alpha val="43000"/>
+                    </a:srgbClr>
+                  </a:outerShdw>
+                </a:effectLst>
+              </a:rPr>
+              <a:t>p</a:t>
+            </a:r>
+            <a:r>
+              <a:rPr lang="en-US" sz="4000" b="0" u="sng" cap="none" spc="0" dirty="0" smtClean="0">
+                <a:ln w="0"/>
+                <a:solidFill>
+                  <a:schemeClr val="accent1"/>
+                </a:solidFill>
+                <a:effectLst>
+                  <a:outerShdw blurRad="38100" dist="25400" dir="5400000" algn="ctr" rotWithShape="0">
+                    <a:srgbClr val="6E747A">
+                      <a:alpha val="43000"/>
+                    </a:srgbClr>
+                  </a:outerShdw>
+                </a:effectLst>
+              </a:rPr>
+              <a:t>papp.ir/</a:t>
+            </a:r>
+            <a:r>
+              <a:rPr lang="en-US" sz="4000" b="0" u="sng" cap="none" spc="0" dirty="0" err="1" smtClean="0">
+                <a:ln w="0"/>
+                <a:solidFill>
+                  <a:schemeClr val="accent1"/>
+                </a:solidFill>
+                <a:effectLst>
+                  <a:outerShdw blurRad="38100" dist="25400" dir="5400000" algn="ctr" rotWithShape="0">
+                    <a:srgbClr val="6E747A">
+                      <a:alpha val="43000"/>
+                    </a:srgbClr>
+                  </a:outerShdw>
+                </a:effectLst>
+              </a:rPr>
+              <a:t>yara</a:t>
+            </a:r>
+            <a:endParaRPr lang="en-US" sz="4000" b="0" u="sng" cap="none" spc="0" dirty="0">
+              <a:ln w="0"/>
+              <a:solidFill>
+                <a:schemeClr val="accent1"/>
+              </a:solidFill>
+              <a:effectLst>
+                <a:outerShdw blurRad="38100" dist="25400" dir="5400000" algn="ctr" rotWithShape="0">
+                  <a:srgbClr val="6E747A">
+                    <a:alpha val="43000"/>
+                  </a:srgbClr>
+                </a:outerShdw>
+              </a:effectLst>
+            </a:endParaRPr>
+          </a:p>
+        </p:txBody>
+      </p:sp>
+    </p:spTree>
+    <p:extLst>
+      <p:ext uri="{BB962C8B-B14F-4D97-AF65-F5344CB8AC3E}">
+        <p14:creationId xmlns:p14="http://schemas.microsoft.com/office/powerpoint/2010/main" val="4026964254"/>
+      </p:ext>
+    </p:extLst>
+  </p:cSld>
+  <p:clrMapOvr>
+    <a:masterClrMapping/>
+  </p:clrMapOvr>
+</p:sld>
+</file>
+
 <file path=ppt/theme/theme1.xml><?xml version="1.0" encoding="utf-8"?>
 <a:theme xmlns:a="http://schemas.openxmlformats.org/drawingml/2006/main" name="Office Theme">
   <a:themeElements>
@@ -3520,4 +4732,265 @@
     </a:ext>
   </a:extLst>
 </a:theme>
+</file>
+
+<file path=ppt/theme/theme2.xml><?xml version="1.0" encoding="utf-8"?>
+<a:theme xmlns:a="http://schemas.openxmlformats.org/drawingml/2006/main" name="Office Theme">
+  <a:themeElements>
+    <a:clrScheme name="Office">
+      <a:dk1>
+        <a:sysClr val="windowText" lastClr="000000"/>
+      </a:dk1>
+      <a:lt1>
+        <a:sysClr val="window" lastClr="FFFFFF"/>
+      </a:lt1>
+      <a:dk2>
+        <a:srgbClr val="44546A"/>
+      </a:dk2>
+      <a:lt2>
+        <a:srgbClr val="E7E6E6"/>
+      </a:lt2>
+      <a:accent1>
+        <a:srgbClr val="5B9BD5"/>
+      </a:accent1>
+      <a:accent2>
+        <a:srgbClr val="ED7D31"/>
+      </a:accent2>
+      <a:accent3>
+        <a:srgbClr val="A5A5A5"/>
+      </a:accent3>
+      <a:accent4>
+        <a:srgbClr val="FFC000"/>
+      </a:accent4>
+      <a:accent5>
+        <a:srgbClr val="4472C4"/>
+      </a:accent5>
+      <a:accent6>
+        <a:srgbClr val="70AD47"/>
+      </a:accent6>
+      <a:hlink>
+        <a:srgbClr val="0563C1"/>
+      </a:hlink>
+      <a:folHlink>
+        <a:srgbClr val="954F72"/>
+      </a:folHlink>
+    </a:clrScheme>
+    <a:fontScheme name="Office">
+      <a:majorFont>
+        <a:latin typeface="Calibri Light" panose="020F0302020204030204"/>
+        <a:ea typeface=""/>
+        <a:cs typeface=""/>
+        <a:font script="Jpan" typeface="游ゴシック Light"/>
+        <a:font script="Hang" typeface="맑은 고딕"/>
+        <a:font script="Hans" typeface="等线 Light"/>
+        <a:font script="Hant" typeface="新細明體"/>
+        <a:font script="Arab" typeface="Times New Roman"/>
+        <a:font script="Hebr" typeface="Times New Roman"/>
+        <a:font script="Thai" typeface="Angsana New"/>
+        <a:font script="Ethi" typeface="Nyala"/>
+        <a:font script="Beng" typeface="Vrinda"/>
+        <a:font script="Gujr" typeface="Shruti"/>
+        <a:font script="Khmr" typeface="MoolBoran"/>
+        <a:font script="Knda" typeface="Tunga"/>
+        <a:font script="Guru" typeface="Raavi"/>
+        <a:font script="Cans" typeface="Euphemia"/>
+        <a:font script="Cher" typeface="Plantagenet Cherokee"/>
+        <a:font script="Yiii" typeface="Microsoft Yi Baiti"/>
+        <a:font script="Tibt" typeface="Microsoft Himalaya"/>
+        <a:font script="Thaa" typeface="MV Boli"/>
+        <a:font script="Deva" typeface="Mangal"/>
+        <a:font script="Telu" typeface="Gautami"/>
+        <a:font script="Taml" typeface="Latha"/>
+        <a:font script="Syrc" typeface="Estrangelo Edessa"/>
+        <a:font script="Orya" typeface="Kalinga"/>
+        <a:font script="Mlym" typeface="Kartika"/>
+        <a:font script="Laoo" typeface="DokChampa"/>
+        <a:font script="Sinh" typeface="Iskoola Pota"/>
+        <a:font script="Mong" typeface="Mongolian Baiti"/>
+        <a:font script="Viet" typeface="Times New Roman"/>
+        <a:font script="Uigh" typeface="Microsoft Uighur"/>
+        <a:font script="Geor" typeface="Sylfaen"/>
+      </a:majorFont>
+      <a:minorFont>
+        <a:latin typeface="Calibri" panose="020F0502020204030204"/>
+        <a:ea typeface=""/>
+        <a:cs typeface=""/>
+        <a:font script="Jpan" typeface="游ゴシック"/>
+        <a:font script="Hang" typeface="맑은 고딕"/>
+        <a:font script="Hans" typeface="等线"/>
+        <a:font script="Hant" typeface="新細明體"/>
+        <a:font script="Arab" typeface="Arial"/>
+        <a:font script="Hebr" typeface="Arial"/>
+        <a:font script="Thai" typeface="Cordia New"/>
+        <a:font script="Ethi" typeface="Nyala"/>
+        <a:font script="Beng" typeface="Vrinda"/>
+        <a:font script="Gujr" typeface="Shruti"/>
+        <a:font script="Khmr" typeface="DaunPenh"/>
+        <a:font script="Knda" typeface="Tunga"/>
+        <a:font script="Guru" typeface="Raavi"/>
+        <a:font script="Cans" typeface="Euphemia"/>
+        <a:font script="Cher" typeface="Plantagenet Cherokee"/>
+        <a:font script="Yiii" typeface="Microsoft Yi Baiti"/>
+        <a:font script="Tibt" typeface="Microsoft Himalaya"/>
+        <a:font script="Thaa" typeface="MV Boli"/>
+        <a:font script="Deva" typeface="Mangal"/>
+        <a:font script="Telu" typeface="Gautami"/>
+        <a:font script="Taml" typeface="Latha"/>
+        <a:font script="Syrc" typeface="Estrangelo Edessa"/>
+        <a:font script="Orya" typeface="Kalinga"/>
+        <a:font script="Mlym" typeface="Kartika"/>
+        <a:font script="Laoo" typeface="DokChampa"/>
+        <a:font script="Sinh" typeface="Iskoola Pota"/>
+        <a:font script="Mong" typeface="Mongolian Baiti"/>
+        <a:font script="Viet" typeface="Arial"/>
+        <a:font script="Uigh" typeface="Microsoft Uighur"/>
+        <a:font script="Geor" typeface="Sylfaen"/>
+      </a:minorFont>
+    </a:fontScheme>
+    <a:fmtScheme name="Office">
+      <a:fillStyleLst>
+        <a:solidFill>
+          <a:schemeClr val="phClr"/>
+        </a:solidFill>
+        <a:gradFill rotWithShape="1">
+          <a:gsLst>
+            <a:gs pos="0">
+              <a:schemeClr val="phClr">
+                <a:lumMod val="110000"/>
+                <a:satMod val="105000"/>
+                <a:tint val="67000"/>
+              </a:schemeClr>
+            </a:gs>
+            <a:gs pos="50000">
+              <a:schemeClr val="phClr">
+                <a:lumMod val="105000"/>
+                <a:satMod val="103000"/>
+                <a:tint val="73000"/>
+              </a:schemeClr>
+            </a:gs>
+            <a:gs pos="100000">
+              <a:schemeClr val="phClr">
+                <a:lumMod val="105000"/>
+                <a:satMod val="109000"/>
+                <a:tint val="81000"/>
+              </a:schemeClr>
+            </a:gs>
+          </a:gsLst>
+          <a:lin ang="5400000" scaled="0"/>
+        </a:gradFill>
+        <a:gradFill rotWithShape="1">
+          <a:gsLst>
+            <a:gs pos="0">
+              <a:schemeClr val="phClr">
+                <a:satMod val="103000"/>
+                <a:lumMod val="102000"/>
+                <a:tint val="94000"/>
+              </a:schemeClr>
+            </a:gs>
+            <a:gs pos="50000">
+              <a:schemeClr val="phClr">
+                <a:satMod val="110000"/>
+                <a:lumMod val="100000"/>
+                <a:shade val="100000"/>
+              </a:schemeClr>
+            </a:gs>
+            <a:gs pos="100000">
+              <a:schemeClr val="phClr">
+                <a:lumMod val="99000"/>
+                <a:satMod val="120000"/>
+                <a:shade val="78000"/>
+              </a:schemeClr>
+            </a:gs>
+          </a:gsLst>
+          <a:lin ang="5400000" scaled="0"/>
+        </a:gradFill>
+      </a:fillStyleLst>
+      <a:lnStyleLst>
+        <a:ln w="6350" cap="flat" cmpd="sng" algn="ctr">
+          <a:solidFill>
+            <a:schemeClr val="phClr"/>
+          </a:solidFill>
+          <a:prstDash val="solid"/>
+          <a:miter lim="800000"/>
+        </a:ln>
+        <a:ln w="12700" cap="flat" cmpd="sng" algn="ctr">
+          <a:solidFill>
+            <a:schemeClr val="phClr"/>
+          </a:solidFill>
+          <a:prstDash val="solid"/>
+          <a:miter lim="800000"/>
+        </a:ln>
+        <a:ln w="19050" cap="flat" cmpd="sng" algn="ctr">
+          <a:solidFill>
+            <a:schemeClr val="phClr"/>
+          </a:solidFill>
+          <a:prstDash val="solid"/>
+          <a:miter lim="800000"/>
+        </a:ln>
+      </a:lnStyleLst>
+      <a:effectStyleLst>
+        <a:effectStyle>
+          <a:effectLst/>
+        </a:effectStyle>
+        <a:effectStyle>
+          <a:effectLst/>
+        </a:effectStyle>
+        <a:effectStyle>
+          <a:effectLst>
+            <a:outerShdw blurRad="57150" dist="19050" dir="5400000" algn="ctr" rotWithShape="0">
+              <a:srgbClr val="000000">
+                <a:alpha val="63000"/>
+              </a:srgbClr>
+            </a:outerShdw>
+          </a:effectLst>
+        </a:effectStyle>
+      </a:effectStyleLst>
+      <a:bgFillStyleLst>
+        <a:solidFill>
+          <a:schemeClr val="phClr"/>
+        </a:solidFill>
+        <a:solidFill>
+          <a:schemeClr val="phClr">
+            <a:tint val="95000"/>
+            <a:satMod val="170000"/>
+          </a:schemeClr>
+        </a:solidFill>
+        <a:gradFill rotWithShape="1">
+          <a:gsLst>
+            <a:gs pos="0">
+              <a:schemeClr val="phClr">
+                <a:tint val="93000"/>
+                <a:satMod val="150000"/>
+                <a:shade val="98000"/>
+                <a:lumMod val="102000"/>
+              </a:schemeClr>
+            </a:gs>
+            <a:gs pos="50000">
+              <a:schemeClr val="phClr">
+                <a:tint val="98000"/>
+                <a:satMod val="130000"/>
+                <a:shade val="90000"/>
+                <a:lumMod val="103000"/>
+              </a:schemeClr>
+            </a:gs>
+            <a:gs pos="100000">
+              <a:schemeClr val="phClr">
+                <a:shade val="63000"/>
+                <a:satMod val="120000"/>
+              </a:schemeClr>
+            </a:gs>
+          </a:gsLst>
+          <a:lin ang="5400000" scaled="0"/>
+        </a:gradFill>
+      </a:bgFillStyleLst>
+    </a:fmtScheme>
+  </a:themeElements>
+  <a:objectDefaults/>
+  <a:extraClrSchemeLst/>
+  <a:extLst>
+    <a:ext uri="{05A4C25C-085E-4340-85A3-A5531E510DB2}">
+      <thm15:themeFamily xmlns:thm15="http://schemas.microsoft.com/office/thememl/2012/main" name="Office Theme" id="{62F939B6-93AF-4DB8-9C6B-D6C7DFDC589F}" vid="{4A3C46E8-61CC-4603-A589-7422A47A8E4A}"/>
+    </a:ext>
+  </a:extLst>
+</a:theme>
 </file>